--- a/HW1PPT (1).pptx
+++ b/HW1PPT (1).pptx
@@ -5,8 +5,13 @@
     <p:sldMasterId id="2147483648" r:id="rId1"/>
   </p:sldMasterIdLst>
   <p:sldIdLst>
-    <p:sldId id="256" r:id="rId2"/>
-    <p:sldId id="257" r:id="rId3"/>
+    <p:sldId id="257" r:id="rId2"/>
+    <p:sldId id="259" r:id="rId3"/>
+    <p:sldId id="258" r:id="rId4"/>
+    <p:sldId id="263" r:id="rId5"/>
+    <p:sldId id="264" r:id="rId6"/>
+    <p:sldId id="266" r:id="rId7"/>
+    <p:sldId id="267" r:id="rId8"/>
   </p:sldIdLst>
   <p:sldSz cx="12192000" cy="6858000"/>
   <p:notesSz cx="6858000" cy="9144000"/>
@@ -105,6 +110,11 @@
       </a:defRPr>
     </a:lvl9pPr>
   </p:defaultTextStyle>
+  <p:extLst>
+    <p:ext uri="{EFAFB233-063F-42B5-8137-9DF3F51BA10A}">
+      <p15:sldGuideLst xmlns:p15="http://schemas.microsoft.com/office/powerpoint/2012/main"/>
+    </p:ext>
+  </p:extLst>
 </p:presentation>
 </file>
 
@@ -3327,7 +3337,7 @@
           <p:cNvPr id="2" name="標題 1">
             <a:extLst>
               <a:ext uri="{FF2B5EF4-FFF2-40B4-BE49-F238E27FC236}">
-                <a16:creationId xmlns:a16="http://schemas.microsoft.com/office/drawing/2014/main" id="{915F9673-4178-47FE-AED2-BE15FAE4A004}"/>
+                <a16:creationId xmlns:a16="http://schemas.microsoft.com/office/drawing/2014/main" id="{15B8FC7D-647D-4C78-BEF5-FAEAE97AB741}"/>
               </a:ext>
             </a:extLst>
           </p:cNvPr>
@@ -3335,47 +3345,1294 @@
             <a:spLocks noGrp="1"/>
           </p:cNvSpPr>
           <p:nvPr>
-            <p:ph type="ctrTitle"/>
-          </p:nvPr>
-        </p:nvSpPr>
-        <p:spPr/>
-        <p:txBody>
-          <a:bodyPr/>
-          <a:lstStyle/>
-          <a:p>
+            <p:ph type="title"/>
+          </p:nvPr>
+        </p:nvSpPr>
+        <p:spPr>
+          <a:xfrm>
+            <a:off x="681850" y="197663"/>
+            <a:ext cx="1776663" cy="894822"/>
+          </a:xfrm>
+        </p:spPr>
+        <p:txBody>
+          <a:bodyPr>
+            <a:normAutofit/>
+          </a:bodyPr>
+          <a:lstStyle/>
+          <a:p>
+            <a:pPr algn="ctr"/>
+            <a:r>
+              <a:rPr lang="en-US" altLang="zh-TW" sz="2800" dirty="0"/>
+              <a:t>BREAKOUT</a:t>
+            </a:r>
+            <a:endParaRPr lang="zh-TW" altLang="en-US" sz="2800" dirty="0"/>
+          </a:p>
+        </p:txBody>
+      </p:sp>
+      <p:sp>
+        <p:nvSpPr>
+          <p:cNvPr id="4" name="文字方塊 3">
+            <a:extLst>
+              <a:ext uri="{FF2B5EF4-FFF2-40B4-BE49-F238E27FC236}">
+                <a16:creationId xmlns:a16="http://schemas.microsoft.com/office/drawing/2014/main" id="{61ECFFD0-8734-4806-BB82-7DCD09052BEF}"/>
+              </a:ext>
+            </a:extLst>
+          </p:cNvPr>
+          <p:cNvSpPr txBox="1"/>
+          <p:nvPr/>
+        </p:nvSpPr>
+        <p:spPr>
+          <a:xfrm>
+            <a:off x="2027032" y="2477834"/>
+            <a:ext cx="1133856" cy="369332"/>
+          </a:xfrm>
+          <a:prstGeom prst="rect">
+            <a:avLst/>
+          </a:prstGeom>
+          <a:noFill/>
+          <a:ln>
+            <a:solidFill>
+              <a:schemeClr val="tx1"/>
+            </a:solidFill>
+          </a:ln>
+        </p:spPr>
+        <p:txBody>
+          <a:bodyPr wrap="square" rtlCol="0">
+            <a:spAutoFit/>
+          </a:bodyPr>
+          <a:lstStyle/>
+          <a:p>
+            <a:pPr algn="ctr"/>
+            <a:r>
+              <a:rPr lang="zh-TW" altLang="en-US" dirty="0"/>
+              <a:t>圖像</a:t>
+            </a:r>
+          </a:p>
+        </p:txBody>
+      </p:sp>
+      <p:cxnSp>
+        <p:nvCxnSpPr>
+          <p:cNvPr id="6" name="直線單箭頭接點 5">
+            <a:extLst>
+              <a:ext uri="{FF2B5EF4-FFF2-40B4-BE49-F238E27FC236}">
+                <a16:creationId xmlns:a16="http://schemas.microsoft.com/office/drawing/2014/main" id="{428E4BBE-3EEB-4AC1-B96E-181A00474D3C}"/>
+              </a:ext>
+            </a:extLst>
+          </p:cNvPr>
+          <p:cNvCxnSpPr>
+            <a:cxnSpLocks/>
+          </p:cNvCxnSpPr>
+          <p:nvPr/>
+        </p:nvCxnSpPr>
+        <p:spPr>
+          <a:xfrm>
+            <a:off x="2593960" y="2202200"/>
+            <a:ext cx="1" cy="275634"/>
+          </a:xfrm>
+          <a:prstGeom prst="straightConnector1">
+            <a:avLst/>
+          </a:prstGeom>
+          <a:ln>
+            <a:solidFill>
+              <a:schemeClr val="tx1"/>
+            </a:solidFill>
+            <a:tailEnd type="triangle"/>
+          </a:ln>
+        </p:spPr>
+        <p:style>
+          <a:lnRef idx="1">
+            <a:schemeClr val="accent1"/>
+          </a:lnRef>
+          <a:fillRef idx="0">
+            <a:schemeClr val="accent1"/>
+          </a:fillRef>
+          <a:effectRef idx="0">
+            <a:schemeClr val="accent1"/>
+          </a:effectRef>
+          <a:fontRef idx="minor">
+            <a:schemeClr val="tx1"/>
+          </a:fontRef>
+        </p:style>
+      </p:cxnSp>
+      <p:sp>
+        <p:nvSpPr>
+          <p:cNvPr id="10" name="文字方塊 9">
+            <a:extLst>
+              <a:ext uri="{FF2B5EF4-FFF2-40B4-BE49-F238E27FC236}">
+                <a16:creationId xmlns:a16="http://schemas.microsoft.com/office/drawing/2014/main" id="{30EB143E-7B70-4DA8-96C1-EF3602DAC068}"/>
+              </a:ext>
+            </a:extLst>
+          </p:cNvPr>
+          <p:cNvSpPr txBox="1"/>
+          <p:nvPr/>
+        </p:nvSpPr>
+        <p:spPr>
+          <a:xfrm>
+            <a:off x="2017134" y="4723043"/>
+            <a:ext cx="1133856" cy="369332"/>
+          </a:xfrm>
+          <a:prstGeom prst="rect">
+            <a:avLst/>
+          </a:prstGeom>
+          <a:noFill/>
+          <a:ln>
+            <a:solidFill>
+              <a:schemeClr val="tx1"/>
+            </a:solidFill>
+          </a:ln>
+        </p:spPr>
+        <p:txBody>
+          <a:bodyPr wrap="square" rtlCol="0">
+            <a:spAutoFit/>
+          </a:bodyPr>
+          <a:lstStyle/>
+          <a:p>
+            <a:pPr algn="ctr"/>
+            <a:r>
+              <a:rPr lang="en-US" altLang="zh-TW" dirty="0"/>
+              <a:t>Sobel</a:t>
+            </a:r>
             <a:endParaRPr lang="zh-TW" altLang="en-US" dirty="0"/>
           </a:p>
         </p:txBody>
       </p:sp>
       <p:sp>
         <p:nvSpPr>
-          <p:cNvPr id="3" name="副標題 2">
-            <a:extLst>
-              <a:ext uri="{FF2B5EF4-FFF2-40B4-BE49-F238E27FC236}">
-                <a16:creationId xmlns:a16="http://schemas.microsoft.com/office/drawing/2014/main" id="{1BA0A89E-F21A-453E-9635-4AD0C0B66EBE}"/>
-              </a:ext>
-            </a:extLst>
-          </p:cNvPr>
-          <p:cNvSpPr>
-            <a:spLocks noGrp="1"/>
-          </p:cNvSpPr>
-          <p:nvPr>
-            <p:ph type="subTitle" idx="1"/>
-          </p:nvPr>
-        </p:nvSpPr>
-        <p:spPr/>
-        <p:txBody>
-          <a:bodyPr/>
-          <a:lstStyle/>
-          <a:p>
-            <a:endParaRPr lang="zh-TW" altLang="en-US"/>
-          </a:p>
-        </p:txBody>
-      </p:sp>
+          <p:cNvPr id="11" name="文字方塊 10">
+            <a:extLst>
+              <a:ext uri="{FF2B5EF4-FFF2-40B4-BE49-F238E27FC236}">
+                <a16:creationId xmlns:a16="http://schemas.microsoft.com/office/drawing/2014/main" id="{1C7A690C-1978-4E28-8F5C-A1333AD3CF1B}"/>
+              </a:ext>
+            </a:extLst>
+          </p:cNvPr>
+          <p:cNvSpPr txBox="1"/>
+          <p:nvPr/>
+        </p:nvSpPr>
+        <p:spPr>
+          <a:xfrm>
+            <a:off x="2027032" y="3598631"/>
+            <a:ext cx="1133856" cy="369332"/>
+          </a:xfrm>
+          <a:prstGeom prst="rect">
+            <a:avLst/>
+          </a:prstGeom>
+          <a:noFill/>
+          <a:ln>
+            <a:solidFill>
+              <a:schemeClr val="tx1"/>
+            </a:solidFill>
+          </a:ln>
+        </p:spPr>
+        <p:txBody>
+          <a:bodyPr wrap="square" rtlCol="0">
+            <a:spAutoFit/>
+          </a:bodyPr>
+          <a:lstStyle/>
+          <a:p>
+            <a:pPr algn="ctr"/>
+            <a:r>
+              <a:rPr lang="zh-TW" altLang="en-US" dirty="0"/>
+              <a:t>灰階</a:t>
+            </a:r>
+          </a:p>
+        </p:txBody>
+      </p:sp>
+      <p:cxnSp>
+        <p:nvCxnSpPr>
+          <p:cNvPr id="14" name="直線單箭頭接點 13">
+            <a:extLst>
+              <a:ext uri="{FF2B5EF4-FFF2-40B4-BE49-F238E27FC236}">
+                <a16:creationId xmlns:a16="http://schemas.microsoft.com/office/drawing/2014/main" id="{BC10FB13-5E31-4289-A8AA-185CE9DC6FEE}"/>
+              </a:ext>
+            </a:extLst>
+          </p:cNvPr>
+          <p:cNvCxnSpPr>
+            <a:cxnSpLocks/>
+          </p:cNvCxnSpPr>
+          <p:nvPr/>
+        </p:nvCxnSpPr>
+        <p:spPr>
+          <a:xfrm>
+            <a:off x="2584062" y="2847166"/>
+            <a:ext cx="0" cy="755080"/>
+          </a:xfrm>
+          <a:prstGeom prst="straightConnector1">
+            <a:avLst/>
+          </a:prstGeom>
+          <a:ln>
+            <a:solidFill>
+              <a:schemeClr val="tx1"/>
+            </a:solidFill>
+            <a:tailEnd type="triangle"/>
+          </a:ln>
+        </p:spPr>
+        <p:style>
+          <a:lnRef idx="1">
+            <a:schemeClr val="accent1"/>
+          </a:lnRef>
+          <a:fillRef idx="0">
+            <a:schemeClr val="accent1"/>
+          </a:fillRef>
+          <a:effectRef idx="0">
+            <a:schemeClr val="accent1"/>
+          </a:effectRef>
+          <a:fontRef idx="minor">
+            <a:schemeClr val="tx1"/>
+          </a:fontRef>
+        </p:style>
+      </p:cxnSp>
+      <p:sp>
+        <p:nvSpPr>
+          <p:cNvPr id="16" name="文字方塊 15">
+            <a:extLst>
+              <a:ext uri="{FF2B5EF4-FFF2-40B4-BE49-F238E27FC236}">
+                <a16:creationId xmlns:a16="http://schemas.microsoft.com/office/drawing/2014/main" id="{CABD3FCA-7FA2-4B7B-A3E2-0C870932E7F6}"/>
+              </a:ext>
+            </a:extLst>
+          </p:cNvPr>
+          <p:cNvSpPr txBox="1"/>
+          <p:nvPr/>
+        </p:nvSpPr>
+        <p:spPr>
+          <a:xfrm>
+            <a:off x="6444241" y="2468009"/>
+            <a:ext cx="1133856" cy="369332"/>
+          </a:xfrm>
+          <a:prstGeom prst="rect">
+            <a:avLst/>
+          </a:prstGeom>
+          <a:noFill/>
+          <a:ln>
+            <a:solidFill>
+              <a:schemeClr val="tx1"/>
+            </a:solidFill>
+          </a:ln>
+        </p:spPr>
+        <p:txBody>
+          <a:bodyPr wrap="square" rtlCol="0">
+            <a:spAutoFit/>
+          </a:bodyPr>
+          <a:lstStyle/>
+          <a:p>
+            <a:pPr algn="ctr"/>
+            <a:r>
+              <a:rPr lang="zh-TW" altLang="en-US" dirty="0"/>
+              <a:t>統計紋路</a:t>
+            </a:r>
+          </a:p>
+        </p:txBody>
+      </p:sp>
+      <p:sp>
+        <p:nvSpPr>
+          <p:cNvPr id="19" name="文字方塊 18">
+            <a:extLst>
+              <a:ext uri="{FF2B5EF4-FFF2-40B4-BE49-F238E27FC236}">
+                <a16:creationId xmlns:a16="http://schemas.microsoft.com/office/drawing/2014/main" id="{CE05ED26-1A3C-4BB5-933D-8B6BFE5A12BD}"/>
+              </a:ext>
+            </a:extLst>
+          </p:cNvPr>
+          <p:cNvSpPr txBox="1"/>
+          <p:nvPr/>
+        </p:nvSpPr>
+        <p:spPr>
+          <a:xfrm>
+            <a:off x="3830069" y="2477834"/>
+            <a:ext cx="1527334" cy="369332"/>
+          </a:xfrm>
+          <a:prstGeom prst="rect">
+            <a:avLst/>
+          </a:prstGeom>
+          <a:noFill/>
+          <a:ln>
+            <a:solidFill>
+              <a:schemeClr val="tx1"/>
+            </a:solidFill>
+          </a:ln>
+        </p:spPr>
+        <p:txBody>
+          <a:bodyPr wrap="square" rtlCol="0">
+            <a:spAutoFit/>
+          </a:bodyPr>
+          <a:lstStyle/>
+          <a:p>
+            <a:pPr algn="ctr"/>
+            <a:r>
+              <a:rPr lang="zh-TW" altLang="en-US" dirty="0"/>
+              <a:t>統計</a:t>
+            </a:r>
+            <a:r>
+              <a:rPr lang="en-US" altLang="zh-TW" dirty="0"/>
+              <a:t>LBP</a:t>
+            </a:r>
+            <a:r>
+              <a:rPr lang="zh-TW" altLang="en-US" dirty="0"/>
+              <a:t>紋路</a:t>
+            </a:r>
+          </a:p>
+        </p:txBody>
+      </p:sp>
+      <p:sp>
+        <p:nvSpPr>
+          <p:cNvPr id="39" name="文字方塊 38">
+            <a:extLst>
+              <a:ext uri="{FF2B5EF4-FFF2-40B4-BE49-F238E27FC236}">
+                <a16:creationId xmlns:a16="http://schemas.microsoft.com/office/drawing/2014/main" id="{7D38CA2F-D1D0-4478-A272-0408631813BD}"/>
+              </a:ext>
+            </a:extLst>
+          </p:cNvPr>
+          <p:cNvSpPr txBox="1"/>
+          <p:nvPr/>
+        </p:nvSpPr>
+        <p:spPr>
+          <a:xfrm>
+            <a:off x="8845677" y="2474219"/>
+            <a:ext cx="1252889" cy="369332"/>
+          </a:xfrm>
+          <a:prstGeom prst="rect">
+            <a:avLst/>
+          </a:prstGeom>
+          <a:noFill/>
+          <a:ln>
+            <a:solidFill>
+              <a:schemeClr val="tx1"/>
+            </a:solidFill>
+          </a:ln>
+        </p:spPr>
+        <p:txBody>
+          <a:bodyPr wrap="square" rtlCol="0">
+            <a:spAutoFit/>
+          </a:bodyPr>
+          <a:lstStyle/>
+          <a:p>
+            <a:pPr algn="ctr"/>
+            <a:r>
+              <a:rPr lang="zh-TW" altLang="en-US" dirty="0"/>
+              <a:t>參數設定</a:t>
+            </a:r>
+          </a:p>
+        </p:txBody>
+      </p:sp>
+      <p:sp>
+        <p:nvSpPr>
+          <p:cNvPr id="21" name="文字方塊 20">
+            <a:extLst>
+              <a:ext uri="{FF2B5EF4-FFF2-40B4-BE49-F238E27FC236}">
+                <a16:creationId xmlns:a16="http://schemas.microsoft.com/office/drawing/2014/main" id="{465632FF-CF75-4485-87FE-D9AB8290BB55}"/>
+              </a:ext>
+            </a:extLst>
+          </p:cNvPr>
+          <p:cNvSpPr txBox="1"/>
+          <p:nvPr/>
+        </p:nvSpPr>
+        <p:spPr>
+          <a:xfrm>
+            <a:off x="5469555" y="1645885"/>
+            <a:ext cx="1252889" cy="369332"/>
+          </a:xfrm>
+          <a:prstGeom prst="rect">
+            <a:avLst/>
+          </a:prstGeom>
+          <a:noFill/>
+          <a:ln>
+            <a:solidFill>
+              <a:schemeClr val="tx1"/>
+            </a:solidFill>
+          </a:ln>
+        </p:spPr>
+        <p:txBody>
+          <a:bodyPr wrap="square" rtlCol="0">
+            <a:spAutoFit/>
+          </a:bodyPr>
+          <a:lstStyle/>
+          <a:p>
+            <a:pPr algn="ctr"/>
+            <a:r>
+              <a:rPr lang="zh-TW" altLang="en-US" dirty="0"/>
+              <a:t>分割馬路</a:t>
+            </a:r>
+          </a:p>
+        </p:txBody>
+      </p:sp>
+      <p:cxnSp>
+        <p:nvCxnSpPr>
+          <p:cNvPr id="12" name="直線接點 11">
+            <a:extLst>
+              <a:ext uri="{FF2B5EF4-FFF2-40B4-BE49-F238E27FC236}">
+                <a16:creationId xmlns:a16="http://schemas.microsoft.com/office/drawing/2014/main" id="{ACB14C5F-6D40-4D01-8A90-5B9A46991827}"/>
+              </a:ext>
+            </a:extLst>
+          </p:cNvPr>
+          <p:cNvCxnSpPr>
+            <a:stCxn id="21" idx="2"/>
+          </p:cNvCxnSpPr>
+          <p:nvPr/>
+        </p:nvCxnSpPr>
+        <p:spPr>
+          <a:xfrm flipH="1">
+            <a:off x="6095999" y="2015217"/>
+            <a:ext cx="1" cy="175671"/>
+          </a:xfrm>
+          <a:prstGeom prst="line">
+            <a:avLst/>
+          </a:prstGeom>
+          <a:ln>
+            <a:solidFill>
+              <a:schemeClr val="tx1"/>
+            </a:solidFill>
+          </a:ln>
+        </p:spPr>
+        <p:style>
+          <a:lnRef idx="1">
+            <a:schemeClr val="accent1"/>
+          </a:lnRef>
+          <a:fillRef idx="0">
+            <a:schemeClr val="accent1"/>
+          </a:fillRef>
+          <a:effectRef idx="0">
+            <a:schemeClr val="accent1"/>
+          </a:effectRef>
+          <a:fontRef idx="minor">
+            <a:schemeClr val="tx1"/>
+          </a:fontRef>
+        </p:style>
+      </p:cxnSp>
+      <p:cxnSp>
+        <p:nvCxnSpPr>
+          <p:cNvPr id="15" name="直線接點 14">
+            <a:extLst>
+              <a:ext uri="{FF2B5EF4-FFF2-40B4-BE49-F238E27FC236}">
+                <a16:creationId xmlns:a16="http://schemas.microsoft.com/office/drawing/2014/main" id="{3BD9FF81-0562-4128-B112-7757A91233EB}"/>
+              </a:ext>
+            </a:extLst>
+          </p:cNvPr>
+          <p:cNvCxnSpPr/>
+          <p:nvPr/>
+        </p:nvCxnSpPr>
+        <p:spPr>
+          <a:xfrm>
+            <a:off x="2584062" y="2190888"/>
+            <a:ext cx="6888060" cy="0"/>
+          </a:xfrm>
+          <a:prstGeom prst="line">
+            <a:avLst/>
+          </a:prstGeom>
+          <a:ln>
+            <a:solidFill>
+              <a:schemeClr val="tx1"/>
+            </a:solidFill>
+          </a:ln>
+        </p:spPr>
+        <p:style>
+          <a:lnRef idx="1">
+            <a:schemeClr val="accent1"/>
+          </a:lnRef>
+          <a:fillRef idx="0">
+            <a:schemeClr val="accent1"/>
+          </a:fillRef>
+          <a:effectRef idx="0">
+            <a:schemeClr val="accent1"/>
+          </a:effectRef>
+          <a:fontRef idx="minor">
+            <a:schemeClr val="tx1"/>
+          </a:fontRef>
+        </p:style>
+      </p:cxnSp>
+      <p:cxnSp>
+        <p:nvCxnSpPr>
+          <p:cNvPr id="30" name="直線單箭頭接點 29">
+            <a:extLst>
+              <a:ext uri="{FF2B5EF4-FFF2-40B4-BE49-F238E27FC236}">
+                <a16:creationId xmlns:a16="http://schemas.microsoft.com/office/drawing/2014/main" id="{41A61CB5-3B46-4DB4-9169-7A5BCA3B5DD2}"/>
+              </a:ext>
+            </a:extLst>
+          </p:cNvPr>
+          <p:cNvCxnSpPr>
+            <a:cxnSpLocks/>
+          </p:cNvCxnSpPr>
+          <p:nvPr/>
+        </p:nvCxnSpPr>
+        <p:spPr>
+          <a:xfrm>
+            <a:off x="2593960" y="3967963"/>
+            <a:ext cx="0" cy="755080"/>
+          </a:xfrm>
+          <a:prstGeom prst="straightConnector1">
+            <a:avLst/>
+          </a:prstGeom>
+          <a:ln>
+            <a:solidFill>
+              <a:schemeClr val="tx1"/>
+            </a:solidFill>
+            <a:tailEnd type="triangle"/>
+          </a:ln>
+        </p:spPr>
+        <p:style>
+          <a:lnRef idx="1">
+            <a:schemeClr val="accent1"/>
+          </a:lnRef>
+          <a:fillRef idx="0">
+            <a:schemeClr val="accent1"/>
+          </a:fillRef>
+          <a:effectRef idx="0">
+            <a:schemeClr val="accent1"/>
+          </a:effectRef>
+          <a:fontRef idx="minor">
+            <a:schemeClr val="tx1"/>
+          </a:fontRef>
+        </p:style>
+      </p:cxnSp>
+      <p:cxnSp>
+        <p:nvCxnSpPr>
+          <p:cNvPr id="31" name="直線單箭頭接點 30">
+            <a:extLst>
+              <a:ext uri="{FF2B5EF4-FFF2-40B4-BE49-F238E27FC236}">
+                <a16:creationId xmlns:a16="http://schemas.microsoft.com/office/drawing/2014/main" id="{F08F8FFB-2CDC-4486-8502-70D179ED3AC4}"/>
+              </a:ext>
+            </a:extLst>
+          </p:cNvPr>
+          <p:cNvCxnSpPr>
+            <a:cxnSpLocks/>
+          </p:cNvCxnSpPr>
+          <p:nvPr/>
+        </p:nvCxnSpPr>
+        <p:spPr>
+          <a:xfrm>
+            <a:off x="4583677" y="2201028"/>
+            <a:ext cx="1" cy="275634"/>
+          </a:xfrm>
+          <a:prstGeom prst="straightConnector1">
+            <a:avLst/>
+          </a:prstGeom>
+          <a:ln>
+            <a:solidFill>
+              <a:schemeClr val="tx1"/>
+            </a:solidFill>
+            <a:tailEnd type="triangle"/>
+          </a:ln>
+        </p:spPr>
+        <p:style>
+          <a:lnRef idx="1">
+            <a:schemeClr val="accent1"/>
+          </a:lnRef>
+          <a:fillRef idx="0">
+            <a:schemeClr val="accent1"/>
+          </a:fillRef>
+          <a:effectRef idx="0">
+            <a:schemeClr val="accent1"/>
+          </a:effectRef>
+          <a:fontRef idx="minor">
+            <a:schemeClr val="tx1"/>
+          </a:fontRef>
+        </p:style>
+      </p:cxnSp>
+      <p:cxnSp>
+        <p:nvCxnSpPr>
+          <p:cNvPr id="32" name="直線單箭頭接點 31">
+            <a:extLst>
+              <a:ext uri="{FF2B5EF4-FFF2-40B4-BE49-F238E27FC236}">
+                <a16:creationId xmlns:a16="http://schemas.microsoft.com/office/drawing/2014/main" id="{79AC8D76-F245-4F9C-9357-0065E4729ECC}"/>
+              </a:ext>
+            </a:extLst>
+          </p:cNvPr>
+          <p:cNvCxnSpPr>
+            <a:cxnSpLocks/>
+          </p:cNvCxnSpPr>
+          <p:nvPr/>
+        </p:nvCxnSpPr>
+        <p:spPr>
+          <a:xfrm>
+            <a:off x="4589726" y="2843551"/>
+            <a:ext cx="0" cy="755080"/>
+          </a:xfrm>
+          <a:prstGeom prst="straightConnector1">
+            <a:avLst/>
+          </a:prstGeom>
+          <a:ln>
+            <a:solidFill>
+              <a:schemeClr val="tx1"/>
+            </a:solidFill>
+            <a:tailEnd type="triangle"/>
+          </a:ln>
+        </p:spPr>
+        <p:style>
+          <a:lnRef idx="1">
+            <a:schemeClr val="accent1"/>
+          </a:lnRef>
+          <a:fillRef idx="0">
+            <a:schemeClr val="accent1"/>
+          </a:fillRef>
+          <a:effectRef idx="0">
+            <a:schemeClr val="accent1"/>
+          </a:effectRef>
+          <a:fontRef idx="minor">
+            <a:schemeClr val="tx1"/>
+          </a:fontRef>
+        </p:style>
+      </p:cxnSp>
+      <p:sp>
+        <p:nvSpPr>
+          <p:cNvPr id="33" name="文字方塊 32">
+            <a:extLst>
+              <a:ext uri="{FF2B5EF4-FFF2-40B4-BE49-F238E27FC236}">
+                <a16:creationId xmlns:a16="http://schemas.microsoft.com/office/drawing/2014/main" id="{9C462DCA-EC43-4703-B118-0C37C0FEDA50}"/>
+              </a:ext>
+            </a:extLst>
+          </p:cNvPr>
+          <p:cNvSpPr txBox="1"/>
+          <p:nvPr/>
+        </p:nvSpPr>
+        <p:spPr>
+          <a:xfrm>
+            <a:off x="3826059" y="3585453"/>
+            <a:ext cx="1527334" cy="369332"/>
+          </a:xfrm>
+          <a:prstGeom prst="rect">
+            <a:avLst/>
+          </a:prstGeom>
+          <a:noFill/>
+          <a:ln>
+            <a:solidFill>
+              <a:schemeClr val="tx1"/>
+            </a:solidFill>
+          </a:ln>
+        </p:spPr>
+        <p:txBody>
+          <a:bodyPr wrap="square" rtlCol="0">
+            <a:spAutoFit/>
+          </a:bodyPr>
+          <a:lstStyle/>
+          <a:p>
+            <a:pPr algn="ctr"/>
+            <a:r>
+              <a:rPr lang="zh-TW" altLang="en-US" dirty="0"/>
+              <a:t>分類</a:t>
+            </a:r>
+            <a:r>
+              <a:rPr lang="en-US" altLang="zh-TW" dirty="0"/>
+              <a:t>LBP</a:t>
+            </a:r>
+            <a:r>
+              <a:rPr lang="zh-TW" altLang="en-US" dirty="0"/>
+              <a:t>紋路</a:t>
+            </a:r>
+          </a:p>
+        </p:txBody>
+      </p:sp>
+      <p:cxnSp>
+        <p:nvCxnSpPr>
+          <p:cNvPr id="34" name="直線單箭頭接點 33">
+            <a:extLst>
+              <a:ext uri="{FF2B5EF4-FFF2-40B4-BE49-F238E27FC236}">
+                <a16:creationId xmlns:a16="http://schemas.microsoft.com/office/drawing/2014/main" id="{1718D027-953E-4F1F-A7CE-11D7B9638722}"/>
+              </a:ext>
+            </a:extLst>
+          </p:cNvPr>
+          <p:cNvCxnSpPr>
+            <a:cxnSpLocks/>
+          </p:cNvCxnSpPr>
+          <p:nvPr/>
+        </p:nvCxnSpPr>
+        <p:spPr>
+          <a:xfrm>
+            <a:off x="4589726" y="3954785"/>
+            <a:ext cx="0" cy="755080"/>
+          </a:xfrm>
+          <a:prstGeom prst="straightConnector1">
+            <a:avLst/>
+          </a:prstGeom>
+          <a:ln>
+            <a:solidFill>
+              <a:schemeClr val="tx1"/>
+            </a:solidFill>
+            <a:tailEnd type="triangle"/>
+          </a:ln>
+        </p:spPr>
+        <p:style>
+          <a:lnRef idx="1">
+            <a:schemeClr val="accent1"/>
+          </a:lnRef>
+          <a:fillRef idx="0">
+            <a:schemeClr val="accent1"/>
+          </a:fillRef>
+          <a:effectRef idx="0">
+            <a:schemeClr val="accent1"/>
+          </a:effectRef>
+          <a:fontRef idx="minor">
+            <a:schemeClr val="tx1"/>
+          </a:fontRef>
+        </p:style>
+      </p:cxnSp>
+      <p:sp>
+        <p:nvSpPr>
+          <p:cNvPr id="35" name="文字方塊 34">
+            <a:extLst>
+              <a:ext uri="{FF2B5EF4-FFF2-40B4-BE49-F238E27FC236}">
+                <a16:creationId xmlns:a16="http://schemas.microsoft.com/office/drawing/2014/main" id="{7A15DF6B-E39D-489A-8B7D-04136C2FD1C7}"/>
+              </a:ext>
+            </a:extLst>
+          </p:cNvPr>
+          <p:cNvSpPr txBox="1"/>
+          <p:nvPr/>
+        </p:nvSpPr>
+        <p:spPr>
+          <a:xfrm>
+            <a:off x="3761930" y="4712510"/>
+            <a:ext cx="1643496" cy="369332"/>
+          </a:xfrm>
+          <a:prstGeom prst="rect">
+            <a:avLst/>
+          </a:prstGeom>
+          <a:noFill/>
+          <a:ln>
+            <a:solidFill>
+              <a:schemeClr val="tx1"/>
+            </a:solidFill>
+          </a:ln>
+        </p:spPr>
+        <p:txBody>
+          <a:bodyPr wrap="square" rtlCol="0">
+            <a:spAutoFit/>
+          </a:bodyPr>
+          <a:lstStyle/>
+          <a:p>
+            <a:pPr algn="ctr"/>
+            <a:r>
+              <a:rPr lang="zh-TW" altLang="en-US"/>
+              <a:t>生成</a:t>
+            </a:r>
+            <a:r>
+              <a:rPr lang="en-US" altLang="zh-TW" dirty="0"/>
+              <a:t>histogram</a:t>
+            </a:r>
+            <a:endParaRPr lang="zh-TW" altLang="en-US" dirty="0"/>
+          </a:p>
+        </p:txBody>
+      </p:sp>
+      <p:cxnSp>
+        <p:nvCxnSpPr>
+          <p:cNvPr id="36" name="直線單箭頭接點 35">
+            <a:extLst>
+              <a:ext uri="{FF2B5EF4-FFF2-40B4-BE49-F238E27FC236}">
+                <a16:creationId xmlns:a16="http://schemas.microsoft.com/office/drawing/2014/main" id="{5E8934DC-20C0-4900-B907-CF640E8FE989}"/>
+              </a:ext>
+            </a:extLst>
+          </p:cNvPr>
+          <p:cNvCxnSpPr>
+            <a:cxnSpLocks/>
+          </p:cNvCxnSpPr>
+          <p:nvPr/>
+        </p:nvCxnSpPr>
+        <p:spPr>
+          <a:xfrm>
+            <a:off x="7061740" y="2219986"/>
+            <a:ext cx="1" cy="275634"/>
+          </a:xfrm>
+          <a:prstGeom prst="straightConnector1">
+            <a:avLst/>
+          </a:prstGeom>
+          <a:ln>
+            <a:solidFill>
+              <a:schemeClr val="tx1"/>
+            </a:solidFill>
+            <a:tailEnd type="triangle"/>
+          </a:ln>
+        </p:spPr>
+        <p:style>
+          <a:lnRef idx="1">
+            <a:schemeClr val="accent1"/>
+          </a:lnRef>
+          <a:fillRef idx="0">
+            <a:schemeClr val="accent1"/>
+          </a:fillRef>
+          <a:effectRef idx="0">
+            <a:schemeClr val="accent1"/>
+          </a:effectRef>
+          <a:fontRef idx="minor">
+            <a:schemeClr val="tx1"/>
+          </a:fontRef>
+        </p:style>
+      </p:cxnSp>
+      <p:cxnSp>
+        <p:nvCxnSpPr>
+          <p:cNvPr id="37" name="直線單箭頭接點 36">
+            <a:extLst>
+              <a:ext uri="{FF2B5EF4-FFF2-40B4-BE49-F238E27FC236}">
+                <a16:creationId xmlns:a16="http://schemas.microsoft.com/office/drawing/2014/main" id="{D218AD1A-61A3-40D1-9F28-D9C6BBB8F353}"/>
+              </a:ext>
+            </a:extLst>
+          </p:cNvPr>
+          <p:cNvCxnSpPr>
+            <a:cxnSpLocks/>
+          </p:cNvCxnSpPr>
+          <p:nvPr/>
+        </p:nvCxnSpPr>
+        <p:spPr>
+          <a:xfrm>
+            <a:off x="7039645" y="2859077"/>
+            <a:ext cx="0" cy="755080"/>
+          </a:xfrm>
+          <a:prstGeom prst="straightConnector1">
+            <a:avLst/>
+          </a:prstGeom>
+          <a:ln>
+            <a:solidFill>
+              <a:schemeClr val="tx1"/>
+            </a:solidFill>
+            <a:tailEnd type="triangle"/>
+          </a:ln>
+        </p:spPr>
+        <p:style>
+          <a:lnRef idx="1">
+            <a:schemeClr val="accent1"/>
+          </a:lnRef>
+          <a:fillRef idx="0">
+            <a:schemeClr val="accent1"/>
+          </a:fillRef>
+          <a:effectRef idx="0">
+            <a:schemeClr val="accent1"/>
+          </a:effectRef>
+          <a:fontRef idx="minor">
+            <a:schemeClr val="tx1"/>
+          </a:fontRef>
+        </p:style>
+      </p:cxnSp>
+      <p:cxnSp>
+        <p:nvCxnSpPr>
+          <p:cNvPr id="38" name="直線單箭頭接點 37">
+            <a:extLst>
+              <a:ext uri="{FF2B5EF4-FFF2-40B4-BE49-F238E27FC236}">
+                <a16:creationId xmlns:a16="http://schemas.microsoft.com/office/drawing/2014/main" id="{A6E53988-A58A-438A-86C5-B6C0C52A075F}"/>
+              </a:ext>
+            </a:extLst>
+          </p:cNvPr>
+          <p:cNvCxnSpPr>
+            <a:cxnSpLocks/>
+          </p:cNvCxnSpPr>
+          <p:nvPr/>
+        </p:nvCxnSpPr>
+        <p:spPr>
+          <a:xfrm>
+            <a:off x="7061743" y="3970311"/>
+            <a:ext cx="0" cy="755080"/>
+          </a:xfrm>
+          <a:prstGeom prst="straightConnector1">
+            <a:avLst/>
+          </a:prstGeom>
+          <a:ln>
+            <a:solidFill>
+              <a:schemeClr val="tx1"/>
+            </a:solidFill>
+            <a:tailEnd type="triangle"/>
+          </a:ln>
+        </p:spPr>
+        <p:style>
+          <a:lnRef idx="1">
+            <a:schemeClr val="accent1"/>
+          </a:lnRef>
+          <a:fillRef idx="0">
+            <a:schemeClr val="accent1"/>
+          </a:fillRef>
+          <a:effectRef idx="0">
+            <a:schemeClr val="accent1"/>
+          </a:effectRef>
+          <a:fontRef idx="minor">
+            <a:schemeClr val="tx1"/>
+          </a:fontRef>
+        </p:style>
+      </p:cxnSp>
+      <p:sp>
+        <p:nvSpPr>
+          <p:cNvPr id="41" name="文字方塊 40">
+            <a:extLst>
+              <a:ext uri="{FF2B5EF4-FFF2-40B4-BE49-F238E27FC236}">
+                <a16:creationId xmlns:a16="http://schemas.microsoft.com/office/drawing/2014/main" id="{60F5B3CB-7375-45F8-A52B-0EA34EBA8E25}"/>
+              </a:ext>
+            </a:extLst>
+          </p:cNvPr>
+          <p:cNvSpPr txBox="1"/>
+          <p:nvPr/>
+        </p:nvSpPr>
+        <p:spPr>
+          <a:xfrm>
+            <a:off x="6222479" y="3604945"/>
+            <a:ext cx="1678529" cy="369332"/>
+          </a:xfrm>
+          <a:prstGeom prst="rect">
+            <a:avLst/>
+          </a:prstGeom>
+          <a:noFill/>
+          <a:ln>
+            <a:solidFill>
+              <a:schemeClr val="tx1"/>
+            </a:solidFill>
+          </a:ln>
+        </p:spPr>
+        <p:txBody>
+          <a:bodyPr wrap="square" rtlCol="0">
+            <a:spAutoFit/>
+          </a:bodyPr>
+          <a:lstStyle/>
+          <a:p>
+            <a:pPr algn="ctr"/>
+            <a:r>
+              <a:rPr lang="zh-TW" altLang="en-US" dirty="0"/>
+              <a:t>尋找相似紋路</a:t>
+            </a:r>
+          </a:p>
+        </p:txBody>
+      </p:sp>
+      <p:sp>
+        <p:nvSpPr>
+          <p:cNvPr id="43" name="文字方塊 42">
+            <a:extLst>
+              <a:ext uri="{FF2B5EF4-FFF2-40B4-BE49-F238E27FC236}">
+                <a16:creationId xmlns:a16="http://schemas.microsoft.com/office/drawing/2014/main" id="{A7ED017D-5EF8-40B8-B67E-150C1D01EAB9}"/>
+              </a:ext>
+            </a:extLst>
+          </p:cNvPr>
+          <p:cNvSpPr txBox="1"/>
+          <p:nvPr/>
+        </p:nvSpPr>
+        <p:spPr>
+          <a:xfrm>
+            <a:off x="6222478" y="4720145"/>
+            <a:ext cx="1678529" cy="369332"/>
+          </a:xfrm>
+          <a:prstGeom prst="rect">
+            <a:avLst/>
+          </a:prstGeom>
+          <a:noFill/>
+          <a:ln>
+            <a:solidFill>
+              <a:schemeClr val="tx1"/>
+            </a:solidFill>
+          </a:ln>
+        </p:spPr>
+        <p:txBody>
+          <a:bodyPr wrap="square" rtlCol="0">
+            <a:spAutoFit/>
+          </a:bodyPr>
+          <a:lstStyle/>
+          <a:p>
+            <a:pPr algn="ctr"/>
+            <a:r>
+              <a:rPr lang="zh-TW" altLang="en-US" dirty="0"/>
+              <a:t>標記特定區域</a:t>
+            </a:r>
+          </a:p>
+        </p:txBody>
+      </p:sp>
+      <p:cxnSp>
+        <p:nvCxnSpPr>
+          <p:cNvPr id="46" name="直線單箭頭接點 45">
+            <a:extLst>
+              <a:ext uri="{FF2B5EF4-FFF2-40B4-BE49-F238E27FC236}">
+                <a16:creationId xmlns:a16="http://schemas.microsoft.com/office/drawing/2014/main" id="{FD56EA4D-F12D-424A-A23B-3AB532C48ED1}"/>
+              </a:ext>
+            </a:extLst>
+          </p:cNvPr>
+          <p:cNvCxnSpPr>
+            <a:cxnSpLocks/>
+          </p:cNvCxnSpPr>
+          <p:nvPr/>
+        </p:nvCxnSpPr>
+        <p:spPr>
+          <a:xfrm>
+            <a:off x="7061742" y="5107901"/>
+            <a:ext cx="0" cy="755080"/>
+          </a:xfrm>
+          <a:prstGeom prst="straightConnector1">
+            <a:avLst/>
+          </a:prstGeom>
+          <a:ln>
+            <a:solidFill>
+              <a:schemeClr val="tx1"/>
+            </a:solidFill>
+            <a:tailEnd type="triangle"/>
+          </a:ln>
+        </p:spPr>
+        <p:style>
+          <a:lnRef idx="1">
+            <a:schemeClr val="accent1"/>
+          </a:lnRef>
+          <a:fillRef idx="0">
+            <a:schemeClr val="accent1"/>
+          </a:fillRef>
+          <a:effectRef idx="0">
+            <a:schemeClr val="accent1"/>
+          </a:effectRef>
+          <a:fontRef idx="minor">
+            <a:schemeClr val="tx1"/>
+          </a:fontRef>
+        </p:style>
+      </p:cxnSp>
+      <p:sp>
+        <p:nvSpPr>
+          <p:cNvPr id="47" name="文字方塊 46">
+            <a:extLst>
+              <a:ext uri="{FF2B5EF4-FFF2-40B4-BE49-F238E27FC236}">
+                <a16:creationId xmlns:a16="http://schemas.microsoft.com/office/drawing/2014/main" id="{7AAD0EF3-5FA5-454B-9419-D5D396D127C0}"/>
+              </a:ext>
+            </a:extLst>
+          </p:cNvPr>
+          <p:cNvSpPr txBox="1"/>
+          <p:nvPr/>
+        </p:nvSpPr>
+        <p:spPr>
+          <a:xfrm>
+            <a:off x="6222477" y="5902215"/>
+            <a:ext cx="1678529" cy="369332"/>
+          </a:xfrm>
+          <a:prstGeom prst="rect">
+            <a:avLst/>
+          </a:prstGeom>
+          <a:noFill/>
+          <a:ln>
+            <a:solidFill>
+              <a:schemeClr val="tx1"/>
+            </a:solidFill>
+          </a:ln>
+        </p:spPr>
+        <p:txBody>
+          <a:bodyPr wrap="square" rtlCol="0">
+            <a:spAutoFit/>
+          </a:bodyPr>
+          <a:lstStyle/>
+          <a:p>
+            <a:pPr algn="ctr"/>
+            <a:r>
+              <a:rPr lang="zh-TW" altLang="en-US" dirty="0"/>
+              <a:t>特定區域塗色</a:t>
+            </a:r>
+          </a:p>
+        </p:txBody>
+      </p:sp>
+      <p:cxnSp>
+        <p:nvCxnSpPr>
+          <p:cNvPr id="48" name="直線單箭頭接點 47">
+            <a:extLst>
+              <a:ext uri="{FF2B5EF4-FFF2-40B4-BE49-F238E27FC236}">
+                <a16:creationId xmlns:a16="http://schemas.microsoft.com/office/drawing/2014/main" id="{4E108345-66DB-42F3-B634-EA1934B26DEC}"/>
+              </a:ext>
+            </a:extLst>
+          </p:cNvPr>
+          <p:cNvCxnSpPr>
+            <a:cxnSpLocks/>
+          </p:cNvCxnSpPr>
+          <p:nvPr/>
+        </p:nvCxnSpPr>
+        <p:spPr>
+          <a:xfrm>
+            <a:off x="9472122" y="2180749"/>
+            <a:ext cx="1" cy="275634"/>
+          </a:xfrm>
+          <a:prstGeom prst="straightConnector1">
+            <a:avLst/>
+          </a:prstGeom>
+          <a:ln>
+            <a:solidFill>
+              <a:schemeClr val="tx1"/>
+            </a:solidFill>
+            <a:tailEnd type="triangle"/>
+          </a:ln>
+        </p:spPr>
+        <p:style>
+          <a:lnRef idx="1">
+            <a:schemeClr val="accent1"/>
+          </a:lnRef>
+          <a:fillRef idx="0">
+            <a:schemeClr val="accent1"/>
+          </a:fillRef>
+          <a:effectRef idx="0">
+            <a:schemeClr val="accent1"/>
+          </a:effectRef>
+          <a:fontRef idx="minor">
+            <a:schemeClr val="tx1"/>
+          </a:fontRef>
+        </p:style>
+      </p:cxnSp>
+      <p:sp>
+        <p:nvSpPr>
+          <p:cNvPr id="49" name="文字方塊 48">
+            <a:extLst>
+              <a:ext uri="{FF2B5EF4-FFF2-40B4-BE49-F238E27FC236}">
+                <a16:creationId xmlns:a16="http://schemas.microsoft.com/office/drawing/2014/main" id="{DCA54534-872E-49E4-81AC-65E55AF93632}"/>
+              </a:ext>
+            </a:extLst>
+          </p:cNvPr>
+          <p:cNvSpPr txBox="1"/>
+          <p:nvPr/>
+        </p:nvSpPr>
+        <p:spPr>
+          <a:xfrm>
+            <a:off x="8187323" y="3586728"/>
+            <a:ext cx="1252889" cy="369332"/>
+          </a:xfrm>
+          <a:prstGeom prst="rect">
+            <a:avLst/>
+          </a:prstGeom>
+          <a:noFill/>
+          <a:ln>
+            <a:solidFill>
+              <a:schemeClr val="tx1"/>
+            </a:solidFill>
+          </a:ln>
+        </p:spPr>
+        <p:txBody>
+          <a:bodyPr wrap="square" rtlCol="0">
+            <a:spAutoFit/>
+          </a:bodyPr>
+          <a:lstStyle/>
+          <a:p>
+            <a:pPr algn="ctr"/>
+            <a:r>
+              <a:rPr lang="en-US" altLang="zh-TW" dirty="0"/>
+              <a:t>Kernel</a:t>
+            </a:r>
+            <a:r>
+              <a:rPr lang="zh-TW" altLang="en-US" dirty="0"/>
+              <a:t>大小</a:t>
+            </a:r>
+          </a:p>
+        </p:txBody>
+      </p:sp>
+      <p:sp>
+        <p:nvSpPr>
+          <p:cNvPr id="50" name="文字方塊 49">
+            <a:extLst>
+              <a:ext uri="{FF2B5EF4-FFF2-40B4-BE49-F238E27FC236}">
+                <a16:creationId xmlns:a16="http://schemas.microsoft.com/office/drawing/2014/main" id="{DBA27EFC-9897-4D04-8634-0C96730E41F5}"/>
+              </a:ext>
+            </a:extLst>
+          </p:cNvPr>
+          <p:cNvSpPr txBox="1"/>
+          <p:nvPr/>
+        </p:nvSpPr>
+        <p:spPr>
+          <a:xfrm>
+            <a:off x="9841107" y="3610854"/>
+            <a:ext cx="1252889" cy="369332"/>
+          </a:xfrm>
+          <a:prstGeom prst="rect">
+            <a:avLst/>
+          </a:prstGeom>
+          <a:noFill/>
+          <a:ln>
+            <a:solidFill>
+              <a:schemeClr val="tx1"/>
+            </a:solidFill>
+          </a:ln>
+        </p:spPr>
+        <p:txBody>
+          <a:bodyPr wrap="square" rtlCol="0">
+            <a:spAutoFit/>
+          </a:bodyPr>
+          <a:lstStyle/>
+          <a:p>
+            <a:pPr algn="ctr"/>
+            <a:r>
+              <a:rPr lang="en-US" altLang="zh-TW" dirty="0"/>
+              <a:t>STRIDE</a:t>
+            </a:r>
+            <a:endParaRPr lang="zh-TW" altLang="en-US" dirty="0"/>
+          </a:p>
+        </p:txBody>
+      </p:sp>
+      <p:cxnSp>
+        <p:nvCxnSpPr>
+          <p:cNvPr id="51" name="直線單箭頭接點 50">
+            <a:extLst>
+              <a:ext uri="{FF2B5EF4-FFF2-40B4-BE49-F238E27FC236}">
+                <a16:creationId xmlns:a16="http://schemas.microsoft.com/office/drawing/2014/main" id="{2463796B-1923-4B53-9076-60EB902F3477}"/>
+              </a:ext>
+            </a:extLst>
+          </p:cNvPr>
+          <p:cNvCxnSpPr>
+            <a:cxnSpLocks/>
+            <a:stCxn id="39" idx="2"/>
+            <a:endCxn id="49" idx="0"/>
+          </p:cNvCxnSpPr>
+          <p:nvPr/>
+        </p:nvCxnSpPr>
+        <p:spPr>
+          <a:xfrm flipH="1">
+            <a:off x="8813768" y="2843551"/>
+            <a:ext cx="658354" cy="743177"/>
+          </a:xfrm>
+          <a:prstGeom prst="straightConnector1">
+            <a:avLst/>
+          </a:prstGeom>
+          <a:ln>
+            <a:solidFill>
+              <a:schemeClr val="tx1"/>
+            </a:solidFill>
+            <a:tailEnd type="triangle"/>
+          </a:ln>
+        </p:spPr>
+        <p:style>
+          <a:lnRef idx="1">
+            <a:schemeClr val="accent1"/>
+          </a:lnRef>
+          <a:fillRef idx="0">
+            <a:schemeClr val="accent1"/>
+          </a:fillRef>
+          <a:effectRef idx="0">
+            <a:schemeClr val="accent1"/>
+          </a:effectRef>
+          <a:fontRef idx="minor">
+            <a:schemeClr val="tx1"/>
+          </a:fontRef>
+        </p:style>
+      </p:cxnSp>
+      <p:cxnSp>
+        <p:nvCxnSpPr>
+          <p:cNvPr id="52" name="直線單箭頭接點 51">
+            <a:extLst>
+              <a:ext uri="{FF2B5EF4-FFF2-40B4-BE49-F238E27FC236}">
+                <a16:creationId xmlns:a16="http://schemas.microsoft.com/office/drawing/2014/main" id="{354702E0-C42A-4A46-A746-5C7A8D4280BB}"/>
+              </a:ext>
+            </a:extLst>
+          </p:cNvPr>
+          <p:cNvCxnSpPr>
+            <a:cxnSpLocks/>
+            <a:endCxn id="50" idx="0"/>
+          </p:cNvCxnSpPr>
+          <p:nvPr/>
+        </p:nvCxnSpPr>
+        <p:spPr>
+          <a:xfrm>
+            <a:off x="9480031" y="2859077"/>
+            <a:ext cx="987521" cy="751777"/>
+          </a:xfrm>
+          <a:prstGeom prst="straightConnector1">
+            <a:avLst/>
+          </a:prstGeom>
+          <a:ln>
+            <a:solidFill>
+              <a:schemeClr val="tx1"/>
+            </a:solidFill>
+            <a:tailEnd type="triangle"/>
+          </a:ln>
+        </p:spPr>
+        <p:style>
+          <a:lnRef idx="1">
+            <a:schemeClr val="accent1"/>
+          </a:lnRef>
+          <a:fillRef idx="0">
+            <a:schemeClr val="accent1"/>
+          </a:fillRef>
+          <a:effectRef idx="0">
+            <a:schemeClr val="accent1"/>
+          </a:effectRef>
+          <a:fontRef idx="minor">
+            <a:schemeClr val="tx1"/>
+          </a:fontRef>
+        </p:style>
+      </p:cxnSp>
     </p:spTree>
     <p:extLst>
       <p:ext uri="{BB962C8B-B14F-4D97-AF65-F5344CB8AC3E}">
-        <p14:creationId xmlns:p14="http://schemas.microsoft.com/office/powerpoint/2010/main" val="3745463575"/>
+        <p14:creationId xmlns:p14="http://schemas.microsoft.com/office/powerpoint/2010/main" val="597109987"/>
       </p:ext>
     </p:extLst>
   </p:cSld>
@@ -3420,7 +4677,7 @@
         </p:nvSpPr>
         <p:spPr>
           <a:xfrm>
-            <a:off x="9577136" y="163957"/>
+            <a:off x="681850" y="197663"/>
             <a:ext cx="1776663" cy="894822"/>
           </a:xfrm>
         </p:spPr>
@@ -3452,13 +4709,18 @@
         </p:nvSpPr>
         <p:spPr>
           <a:xfrm>
-            <a:off x="838201" y="1197280"/>
+            <a:off x="212961" y="2837341"/>
             <a:ext cx="1133856" cy="369332"/>
           </a:xfrm>
           <a:prstGeom prst="rect">
             <a:avLst/>
           </a:prstGeom>
-          <a:noFill/>
+          <a:solidFill>
+            <a:schemeClr val="tx1">
+              <a:lumMod val="50000"/>
+              <a:lumOff val="50000"/>
+            </a:schemeClr>
+          </a:solidFill>
           <a:ln>
             <a:solidFill>
               <a:schemeClr val="tx1"/>
@@ -3474,30 +4736,29 @@
             <a:pPr algn="ctr"/>
             <a:r>
               <a:rPr lang="zh-TW" altLang="en-US" dirty="0"/>
-              <a:t>圖像</a:t>
+              <a:t>輸入影像</a:t>
             </a:r>
           </a:p>
         </p:txBody>
       </p:sp>
       <p:cxnSp>
         <p:nvCxnSpPr>
-          <p:cNvPr id="6" name="直線單箭頭接點 5">
-            <a:extLst>
-              <a:ext uri="{FF2B5EF4-FFF2-40B4-BE49-F238E27FC236}">
-                <a16:creationId xmlns:a16="http://schemas.microsoft.com/office/drawing/2014/main" id="{428E4BBE-3EEB-4AC1-B96E-181A00474D3C}"/>
+          <p:cNvPr id="14" name="直線單箭頭接點 13">
+            <a:extLst>
+              <a:ext uri="{FF2B5EF4-FFF2-40B4-BE49-F238E27FC236}">
+                <a16:creationId xmlns:a16="http://schemas.microsoft.com/office/drawing/2014/main" id="{BC10FB13-5E31-4289-A8AA-185CE9DC6FEE}"/>
               </a:ext>
             </a:extLst>
           </p:cNvPr>
           <p:cNvCxnSpPr>
             <a:cxnSpLocks/>
-            <a:stCxn id="4" idx="3"/>
           </p:cNvCxnSpPr>
           <p:nvPr/>
         </p:nvCxnSpPr>
         <p:spPr>
           <a:xfrm>
-            <a:off x="1972057" y="1381946"/>
-            <a:ext cx="368407" cy="0"/>
+            <a:off x="1346817" y="3026449"/>
+            <a:ext cx="337604" cy="0"/>
           </a:xfrm>
           <a:prstGeom prst="straightConnector1">
             <a:avLst/>
@@ -3526,137 +4787,59 @@
       </p:cxnSp>
       <p:sp>
         <p:nvSpPr>
-          <p:cNvPr id="10" name="文字方塊 9">
-            <a:extLst>
-              <a:ext uri="{FF2B5EF4-FFF2-40B4-BE49-F238E27FC236}">
-                <a16:creationId xmlns:a16="http://schemas.microsoft.com/office/drawing/2014/main" id="{30EB143E-7B70-4DA8-96C1-EF3602DAC068}"/>
-              </a:ext>
-            </a:extLst>
-          </p:cNvPr>
-          <p:cNvSpPr txBox="1"/>
+          <p:cNvPr id="7" name="矩形: 圓角 6">
+            <a:extLst>
+              <a:ext uri="{FF2B5EF4-FFF2-40B4-BE49-F238E27FC236}">
+                <a16:creationId xmlns:a16="http://schemas.microsoft.com/office/drawing/2014/main" id="{D5DB80BC-9B46-4FF6-B06A-0F9A85B0DAA0}"/>
+              </a:ext>
+            </a:extLst>
+          </p:cNvPr>
+          <p:cNvSpPr/>
           <p:nvPr/>
         </p:nvSpPr>
         <p:spPr>
           <a:xfrm>
-            <a:off x="3842727" y="1180136"/>
-            <a:ext cx="1133856" cy="369332"/>
-          </a:xfrm>
-          <a:prstGeom prst="rect">
+            <a:off x="1704682" y="2330332"/>
+            <a:ext cx="1330579" cy="1439810"/>
+          </a:xfrm>
+          <a:prstGeom prst="roundRect">
             <a:avLst/>
           </a:prstGeom>
-          <a:noFill/>
-          <a:ln>
-            <a:solidFill>
-              <a:schemeClr val="tx1"/>
-            </a:solidFill>
-          </a:ln>
-        </p:spPr>
-        <p:txBody>
-          <a:bodyPr wrap="square" rtlCol="0">
-            <a:spAutoFit/>
-          </a:bodyPr>
-          <a:lstStyle/>
-          <a:p>
-            <a:pPr algn="ctr"/>
-            <a:r>
-              <a:rPr lang="en-US" altLang="zh-TW" dirty="0"/>
-              <a:t>Sobel</a:t>
-            </a:r>
-            <a:endParaRPr lang="zh-TW" altLang="en-US" dirty="0"/>
-          </a:p>
-        </p:txBody>
-      </p:sp>
-      <p:sp>
-        <p:nvSpPr>
-          <p:cNvPr id="11" name="文字方塊 10">
-            <a:extLst>
-              <a:ext uri="{FF2B5EF4-FFF2-40B4-BE49-F238E27FC236}">
-                <a16:creationId xmlns:a16="http://schemas.microsoft.com/office/drawing/2014/main" id="{1C7A690C-1978-4E28-8F5C-A1333AD3CF1B}"/>
-              </a:ext>
-            </a:extLst>
-          </p:cNvPr>
-          <p:cNvSpPr txBox="1"/>
-          <p:nvPr/>
-        </p:nvSpPr>
-        <p:spPr>
-          <a:xfrm>
-            <a:off x="2340464" y="1197280"/>
-            <a:ext cx="1133856" cy="369332"/>
-          </a:xfrm>
-          <a:prstGeom prst="rect">
-            <a:avLst/>
-          </a:prstGeom>
-          <a:noFill/>
-          <a:ln>
-            <a:solidFill>
-              <a:schemeClr val="tx1"/>
-            </a:solidFill>
-          </a:ln>
-        </p:spPr>
-        <p:txBody>
-          <a:bodyPr wrap="square" rtlCol="0">
-            <a:spAutoFit/>
-          </a:bodyPr>
-          <a:lstStyle/>
-          <a:p>
-            <a:pPr algn="ctr"/>
-            <a:r>
-              <a:rPr lang="zh-TW" altLang="en-US" dirty="0"/>
-              <a:t>灰階</a:t>
-            </a:r>
-          </a:p>
-        </p:txBody>
-      </p:sp>
-      <p:cxnSp>
-        <p:nvCxnSpPr>
-          <p:cNvPr id="14" name="直線單箭頭接點 13">
-            <a:extLst>
-              <a:ext uri="{FF2B5EF4-FFF2-40B4-BE49-F238E27FC236}">
-                <a16:creationId xmlns:a16="http://schemas.microsoft.com/office/drawing/2014/main" id="{BC10FB13-5E31-4289-A8AA-185CE9DC6FEE}"/>
-              </a:ext>
-            </a:extLst>
-          </p:cNvPr>
-          <p:cNvCxnSpPr>
-            <a:cxnSpLocks/>
-          </p:cNvCxnSpPr>
-          <p:nvPr/>
-        </p:nvCxnSpPr>
-        <p:spPr>
-          <a:xfrm>
-            <a:off x="1405129" y="1566612"/>
-            <a:ext cx="0" cy="755080"/>
-          </a:xfrm>
-          <a:prstGeom prst="straightConnector1">
-            <a:avLst/>
-          </a:prstGeom>
-          <a:ln>
-            <a:solidFill>
-              <a:schemeClr val="tx1"/>
-            </a:solidFill>
-            <a:tailEnd type="triangle"/>
-          </a:ln>
+          <a:solidFill>
+            <a:schemeClr val="bg1"/>
+          </a:solidFill>
         </p:spPr>
         <p:style>
-          <a:lnRef idx="1">
-            <a:schemeClr val="accent1"/>
+          <a:lnRef idx="2">
+            <a:schemeClr val="accent1">
+              <a:shade val="50000"/>
+            </a:schemeClr>
           </a:lnRef>
-          <a:fillRef idx="0">
+          <a:fillRef idx="1">
             <a:schemeClr val="accent1"/>
           </a:fillRef>
           <a:effectRef idx="0">
             <a:schemeClr val="accent1"/>
           </a:effectRef>
           <a:fontRef idx="minor">
-            <a:schemeClr val="tx1"/>
+            <a:schemeClr val="lt1"/>
           </a:fontRef>
         </p:style>
-      </p:cxnSp>
-      <p:sp>
-        <p:nvSpPr>
-          <p:cNvPr id="16" name="文字方塊 15">
-            <a:extLst>
-              <a:ext uri="{FF2B5EF4-FFF2-40B4-BE49-F238E27FC236}">
-                <a16:creationId xmlns:a16="http://schemas.microsoft.com/office/drawing/2014/main" id="{CABD3FCA-7FA2-4B7B-A3E2-0C870932E7F6}"/>
+        <p:txBody>
+          <a:bodyPr rtlCol="0" anchor="ctr"/>
+          <a:lstStyle/>
+          <a:p>
+            <a:pPr algn="ctr"/>
+            <a:endParaRPr lang="zh-TW" altLang="en-US"/>
+          </a:p>
+        </p:txBody>
+      </p:sp>
+      <p:sp>
+        <p:nvSpPr>
+          <p:cNvPr id="40" name="文字方塊 39">
+            <a:extLst>
+              <a:ext uri="{FF2B5EF4-FFF2-40B4-BE49-F238E27FC236}">
+                <a16:creationId xmlns:a16="http://schemas.microsoft.com/office/drawing/2014/main" id="{3DD750AA-8150-460F-AE08-69C588649471}"/>
               </a:ext>
             </a:extLst>
           </p:cNvPr>
@@ -3665,13 +4848,18 @@
         </p:nvSpPr>
         <p:spPr>
           <a:xfrm>
-            <a:off x="838201" y="2328611"/>
-            <a:ext cx="1133856" cy="923330"/>
+            <a:off x="1803044" y="2590134"/>
+            <a:ext cx="1133856" cy="369332"/>
           </a:xfrm>
           <a:prstGeom prst="rect">
             <a:avLst/>
           </a:prstGeom>
-          <a:noFill/>
+          <a:solidFill>
+            <a:schemeClr val="tx1">
+              <a:lumMod val="50000"/>
+              <a:lumOff val="50000"/>
+            </a:schemeClr>
+          </a:solidFill>
           <a:ln>
             <a:solidFill>
               <a:schemeClr val="tx1"/>
@@ -3687,17 +4875,17 @@
             <a:pPr algn="ctr"/>
             <a:r>
               <a:rPr lang="zh-TW" altLang="en-US" dirty="0"/>
-              <a:t>擷取影像中代表道路的範本</a:t>
-            </a:r>
-          </a:p>
-        </p:txBody>
-      </p:sp>
-      <p:sp>
-        <p:nvSpPr>
-          <p:cNvPr id="17" name="文字方塊 16">
-            <a:extLst>
-              <a:ext uri="{FF2B5EF4-FFF2-40B4-BE49-F238E27FC236}">
-                <a16:creationId xmlns:a16="http://schemas.microsoft.com/office/drawing/2014/main" id="{AF7AC2AC-2452-4C95-9549-F48D290FA230}"/>
+              <a:t>灰階</a:t>
+            </a:r>
+          </a:p>
+        </p:txBody>
+      </p:sp>
+      <p:sp>
+        <p:nvSpPr>
+          <p:cNvPr id="42" name="文字方塊 41">
+            <a:extLst>
+              <a:ext uri="{FF2B5EF4-FFF2-40B4-BE49-F238E27FC236}">
+                <a16:creationId xmlns:a16="http://schemas.microsoft.com/office/drawing/2014/main" id="{E634DC2B-81D2-4BC3-84D1-704ACD7D7459}"/>
               </a:ext>
             </a:extLst>
           </p:cNvPr>
@@ -3706,13 +4894,18 @@
         </p:nvSpPr>
         <p:spPr>
           <a:xfrm>
-            <a:off x="5344989" y="2276486"/>
-            <a:ext cx="1252887" cy="923330"/>
+            <a:off x="1803044" y="3162291"/>
+            <a:ext cx="1133856" cy="369332"/>
           </a:xfrm>
           <a:prstGeom prst="rect">
             <a:avLst/>
           </a:prstGeom>
-          <a:noFill/>
+          <a:solidFill>
+            <a:schemeClr val="tx1">
+              <a:lumMod val="50000"/>
+              <a:lumOff val="50000"/>
+            </a:schemeClr>
+          </a:solidFill>
           <a:ln>
             <a:solidFill>
               <a:schemeClr val="tx1"/>
@@ -3727,71 +4920,68 @@
           <a:p>
             <a:pPr algn="ctr"/>
             <a:r>
-              <a:rPr lang="zh-TW" altLang="en-US" dirty="0"/>
-              <a:t>計算該區域的</a:t>
-            </a:r>
-            <a:r>
               <a:rPr lang="en-US" altLang="zh-TW" dirty="0"/>
-              <a:t>LBP</a:t>
-            </a:r>
-            <a:r>
-              <a:rPr lang="zh-TW" altLang="en-US" dirty="0"/>
-              <a:t>直方圖</a:t>
-            </a:r>
-          </a:p>
-        </p:txBody>
-      </p:sp>
-      <p:cxnSp>
-        <p:nvCxnSpPr>
-          <p:cNvPr id="18" name="直線單箭頭接點 17">
-            <a:extLst>
-              <a:ext uri="{FF2B5EF4-FFF2-40B4-BE49-F238E27FC236}">
-                <a16:creationId xmlns:a16="http://schemas.microsoft.com/office/drawing/2014/main" id="{687625D7-80E8-4FDD-A2BB-CEC36A7CCE07}"/>
-              </a:ext>
-            </a:extLst>
-          </p:cNvPr>
-          <p:cNvCxnSpPr>
-            <a:cxnSpLocks/>
-            <a:endCxn id="17" idx="1"/>
-          </p:cNvCxnSpPr>
+              <a:t>Sobel</a:t>
+            </a:r>
+            <a:endParaRPr lang="zh-TW" altLang="en-US" dirty="0"/>
+          </a:p>
+        </p:txBody>
+      </p:sp>
+      <p:sp>
+        <p:nvSpPr>
+          <p:cNvPr id="45" name="矩形: 圓角 44">
+            <a:extLst>
+              <a:ext uri="{FF2B5EF4-FFF2-40B4-BE49-F238E27FC236}">
+                <a16:creationId xmlns:a16="http://schemas.microsoft.com/office/drawing/2014/main" id="{1549A8AC-98A2-49D9-937F-8D31B3D2A114}"/>
+              </a:ext>
+            </a:extLst>
+          </p:cNvPr>
+          <p:cNvSpPr/>
           <p:nvPr/>
-        </p:nvCxnSpPr>
-        <p:spPr>
-          <a:xfrm flipV="1">
-            <a:off x="1972057" y="2738151"/>
-            <a:ext cx="3372932" cy="34982"/>
-          </a:xfrm>
-          <a:prstGeom prst="straightConnector1">
+        </p:nvSpPr>
+        <p:spPr>
+          <a:xfrm>
+            <a:off x="5507998" y="2119458"/>
+            <a:ext cx="1805831" cy="1632336"/>
+          </a:xfrm>
+          <a:prstGeom prst="roundRect">
             <a:avLst/>
           </a:prstGeom>
-          <a:ln>
-            <a:solidFill>
-              <a:schemeClr val="tx1"/>
-            </a:solidFill>
-            <a:tailEnd type="triangle"/>
-          </a:ln>
+          <a:solidFill>
+            <a:schemeClr val="bg1"/>
+          </a:solidFill>
         </p:spPr>
         <p:style>
-          <a:lnRef idx="1">
-            <a:schemeClr val="accent1"/>
+          <a:lnRef idx="2">
+            <a:schemeClr val="accent1">
+              <a:shade val="50000"/>
+            </a:schemeClr>
           </a:lnRef>
-          <a:fillRef idx="0">
+          <a:fillRef idx="1">
             <a:schemeClr val="accent1"/>
           </a:fillRef>
           <a:effectRef idx="0">
             <a:schemeClr val="accent1"/>
           </a:effectRef>
           <a:fontRef idx="minor">
-            <a:schemeClr val="tx1"/>
+            <a:schemeClr val="lt1"/>
           </a:fontRef>
         </p:style>
-      </p:cxnSp>
-      <p:sp>
-        <p:nvSpPr>
-          <p:cNvPr id="19" name="文字方塊 18">
-            <a:extLst>
-              <a:ext uri="{FF2B5EF4-FFF2-40B4-BE49-F238E27FC236}">
-                <a16:creationId xmlns:a16="http://schemas.microsoft.com/office/drawing/2014/main" id="{CE05ED26-1A3C-4BB5-933D-8B6BFE5A12BD}"/>
+        <p:txBody>
+          <a:bodyPr rtlCol="0" anchor="ctr"/>
+          <a:lstStyle/>
+          <a:p>
+            <a:pPr algn="ctr"/>
+            <a:endParaRPr lang="zh-TW" altLang="en-US"/>
+          </a:p>
+        </p:txBody>
+      </p:sp>
+      <p:sp>
+        <p:nvSpPr>
+          <p:cNvPr id="53" name="文字方塊 52">
+            <a:extLst>
+              <a:ext uri="{FF2B5EF4-FFF2-40B4-BE49-F238E27FC236}">
+                <a16:creationId xmlns:a16="http://schemas.microsoft.com/office/drawing/2014/main" id="{AD6C1875-08A1-4BF5-B8E7-BEE11419E57E}"/>
               </a:ext>
             </a:extLst>
           </p:cNvPr>
@@ -3800,13 +4990,18 @@
         </p:nvSpPr>
         <p:spPr>
           <a:xfrm>
-            <a:off x="5344990" y="1058779"/>
-            <a:ext cx="1252889" cy="646331"/>
+            <a:off x="5646441" y="2283816"/>
+            <a:ext cx="1527334" cy="369332"/>
           </a:xfrm>
           <a:prstGeom prst="rect">
             <a:avLst/>
           </a:prstGeom>
-          <a:noFill/>
+          <a:solidFill>
+            <a:schemeClr val="tx1">
+              <a:lumMod val="50000"/>
+              <a:lumOff val="50000"/>
+            </a:schemeClr>
+          </a:solidFill>
           <a:ln>
             <a:solidFill>
               <a:schemeClr val="tx1"/>
@@ -3822,7 +5017,7 @@
             <a:pPr algn="ctr"/>
             <a:r>
               <a:rPr lang="zh-TW" altLang="en-US" dirty="0"/>
-              <a:t>生成</a:t>
+              <a:t>統計</a:t>
             </a:r>
             <a:r>
               <a:rPr lang="en-US" altLang="zh-TW" dirty="0"/>
@@ -3830,17 +5025,547 @@
             </a:r>
             <a:r>
               <a:rPr lang="zh-TW" altLang="en-US" dirty="0"/>
-              <a:t>特徵直方圖</a:t>
+              <a:t>紋路</a:t>
+            </a:r>
+          </a:p>
+        </p:txBody>
+      </p:sp>
+      <p:sp>
+        <p:nvSpPr>
+          <p:cNvPr id="54" name="文字方塊 53">
+            <a:extLst>
+              <a:ext uri="{FF2B5EF4-FFF2-40B4-BE49-F238E27FC236}">
+                <a16:creationId xmlns:a16="http://schemas.microsoft.com/office/drawing/2014/main" id="{85443F9A-B15C-4E8B-9691-BB5141207CAC}"/>
+              </a:ext>
+            </a:extLst>
+          </p:cNvPr>
+          <p:cNvSpPr txBox="1"/>
+          <p:nvPr/>
+        </p:nvSpPr>
+        <p:spPr>
+          <a:xfrm>
+            <a:off x="5646441" y="2760544"/>
+            <a:ext cx="1527334" cy="369332"/>
+          </a:xfrm>
+          <a:prstGeom prst="rect">
+            <a:avLst/>
+          </a:prstGeom>
+          <a:solidFill>
+            <a:schemeClr val="tx1">
+              <a:lumMod val="50000"/>
+              <a:lumOff val="50000"/>
+            </a:schemeClr>
+          </a:solidFill>
+          <a:ln>
+            <a:solidFill>
+              <a:schemeClr val="tx1"/>
+            </a:solidFill>
+          </a:ln>
+        </p:spPr>
+        <p:txBody>
+          <a:bodyPr wrap="square" rtlCol="0">
+            <a:spAutoFit/>
+          </a:bodyPr>
+          <a:lstStyle/>
+          <a:p>
+            <a:pPr algn="ctr"/>
+            <a:r>
+              <a:rPr lang="zh-TW" altLang="en-US" dirty="0"/>
+              <a:t>分類</a:t>
+            </a:r>
+            <a:r>
+              <a:rPr lang="en-US" altLang="zh-TW" dirty="0"/>
+              <a:t>LBP</a:t>
+            </a:r>
+            <a:r>
+              <a:rPr lang="zh-TW" altLang="en-US" dirty="0"/>
+              <a:t>紋路</a:t>
+            </a:r>
+          </a:p>
+        </p:txBody>
+      </p:sp>
+      <p:sp>
+        <p:nvSpPr>
+          <p:cNvPr id="55" name="文字方塊 54">
+            <a:extLst>
+              <a:ext uri="{FF2B5EF4-FFF2-40B4-BE49-F238E27FC236}">
+                <a16:creationId xmlns:a16="http://schemas.microsoft.com/office/drawing/2014/main" id="{7A233A32-F57E-4EAD-859F-EC3ED4B01BED}"/>
+              </a:ext>
+            </a:extLst>
+          </p:cNvPr>
+          <p:cNvSpPr txBox="1"/>
+          <p:nvPr/>
+        </p:nvSpPr>
+        <p:spPr>
+          <a:xfrm>
+            <a:off x="5605535" y="3244334"/>
+            <a:ext cx="1643496" cy="369332"/>
+          </a:xfrm>
+          <a:prstGeom prst="rect">
+            <a:avLst/>
+          </a:prstGeom>
+          <a:solidFill>
+            <a:schemeClr val="tx1">
+              <a:lumMod val="50000"/>
+              <a:lumOff val="50000"/>
+            </a:schemeClr>
+          </a:solidFill>
+          <a:ln>
+            <a:solidFill>
+              <a:schemeClr val="tx1"/>
+            </a:solidFill>
+          </a:ln>
+        </p:spPr>
+        <p:txBody>
+          <a:bodyPr wrap="square" rtlCol="0">
+            <a:spAutoFit/>
+          </a:bodyPr>
+          <a:lstStyle/>
+          <a:p>
+            <a:pPr algn="ctr"/>
+            <a:r>
+              <a:rPr lang="zh-TW" altLang="en-US" dirty="0"/>
+              <a:t>生成</a:t>
+            </a:r>
+            <a:r>
+              <a:rPr lang="en-US" altLang="zh-TW" dirty="0"/>
+              <a:t>histogram</a:t>
+            </a:r>
+            <a:endParaRPr lang="zh-TW" altLang="en-US" dirty="0"/>
+          </a:p>
+        </p:txBody>
+      </p:sp>
+      <p:sp>
+        <p:nvSpPr>
+          <p:cNvPr id="56" name="矩形: 圓角 55">
+            <a:extLst>
+              <a:ext uri="{FF2B5EF4-FFF2-40B4-BE49-F238E27FC236}">
+                <a16:creationId xmlns:a16="http://schemas.microsoft.com/office/drawing/2014/main" id="{BF4A20A7-E864-4B71-979D-F5BCB9D6FE5B}"/>
+              </a:ext>
+            </a:extLst>
+          </p:cNvPr>
+          <p:cNvSpPr/>
+          <p:nvPr/>
+        </p:nvSpPr>
+        <p:spPr>
+          <a:xfrm>
+            <a:off x="3364563" y="2171905"/>
+            <a:ext cx="1805831" cy="1632336"/>
+          </a:xfrm>
+          <a:prstGeom prst="roundRect">
+            <a:avLst/>
+          </a:prstGeom>
+          <a:solidFill>
+            <a:schemeClr val="bg1"/>
+          </a:solidFill>
+        </p:spPr>
+        <p:style>
+          <a:lnRef idx="2">
+            <a:schemeClr val="accent1">
+              <a:shade val="50000"/>
+            </a:schemeClr>
+          </a:lnRef>
+          <a:fillRef idx="1">
+            <a:schemeClr val="accent1"/>
+          </a:fillRef>
+          <a:effectRef idx="0">
+            <a:schemeClr val="accent1"/>
+          </a:effectRef>
+          <a:fontRef idx="minor">
+            <a:schemeClr val="lt1"/>
+          </a:fontRef>
+        </p:style>
+        <p:txBody>
+          <a:bodyPr rtlCol="0" anchor="ctr"/>
+          <a:lstStyle/>
+          <a:p>
+            <a:pPr algn="ctr"/>
+            <a:endParaRPr lang="zh-TW" altLang="en-US"/>
+          </a:p>
+        </p:txBody>
+      </p:sp>
+      <p:sp>
+        <p:nvSpPr>
+          <p:cNvPr id="57" name="文字方塊 56">
+            <a:extLst>
+              <a:ext uri="{FF2B5EF4-FFF2-40B4-BE49-F238E27FC236}">
+                <a16:creationId xmlns:a16="http://schemas.microsoft.com/office/drawing/2014/main" id="{7856AF62-EA89-4DDE-9D3C-C49863C15C20}"/>
+              </a:ext>
+            </a:extLst>
+          </p:cNvPr>
+          <p:cNvSpPr txBox="1"/>
+          <p:nvPr/>
+        </p:nvSpPr>
+        <p:spPr>
+          <a:xfrm>
+            <a:off x="3641031" y="2354050"/>
+            <a:ext cx="1252889" cy="369332"/>
+          </a:xfrm>
+          <a:prstGeom prst="rect">
+            <a:avLst/>
+          </a:prstGeom>
+          <a:solidFill>
+            <a:schemeClr val="tx1">
+              <a:lumMod val="50000"/>
+              <a:lumOff val="50000"/>
+            </a:schemeClr>
+          </a:solidFill>
+          <a:ln>
+            <a:solidFill>
+              <a:schemeClr val="tx1"/>
+            </a:solidFill>
+          </a:ln>
+        </p:spPr>
+        <p:txBody>
+          <a:bodyPr wrap="square" rtlCol="0">
+            <a:spAutoFit/>
+          </a:bodyPr>
+          <a:lstStyle/>
+          <a:p>
+            <a:pPr algn="ctr"/>
+            <a:r>
+              <a:rPr lang="zh-TW" altLang="en-US" dirty="0"/>
+              <a:t>參數設定</a:t>
+            </a:r>
+          </a:p>
+        </p:txBody>
+      </p:sp>
+      <p:sp>
+        <p:nvSpPr>
+          <p:cNvPr id="59" name="文字方塊 58">
+            <a:extLst>
+              <a:ext uri="{FF2B5EF4-FFF2-40B4-BE49-F238E27FC236}">
+                <a16:creationId xmlns:a16="http://schemas.microsoft.com/office/drawing/2014/main" id="{AD8F0832-6031-403D-9B54-0C134E35F811}"/>
+              </a:ext>
+            </a:extLst>
+          </p:cNvPr>
+          <p:cNvSpPr txBox="1"/>
+          <p:nvPr/>
+        </p:nvSpPr>
+        <p:spPr>
+          <a:xfrm>
+            <a:off x="3641030" y="2841526"/>
+            <a:ext cx="1252889" cy="369332"/>
+          </a:xfrm>
+          <a:prstGeom prst="rect">
+            <a:avLst/>
+          </a:prstGeom>
+          <a:solidFill>
+            <a:schemeClr val="tx1">
+              <a:lumMod val="50000"/>
+              <a:lumOff val="50000"/>
+            </a:schemeClr>
+          </a:solidFill>
+          <a:ln>
+            <a:solidFill>
+              <a:schemeClr val="tx1"/>
+            </a:solidFill>
+          </a:ln>
+        </p:spPr>
+        <p:txBody>
+          <a:bodyPr wrap="square" rtlCol="0">
+            <a:spAutoFit/>
+          </a:bodyPr>
+          <a:lstStyle/>
+          <a:p>
+            <a:pPr algn="ctr"/>
+            <a:r>
+              <a:rPr lang="en-US" altLang="zh-TW" dirty="0"/>
+              <a:t>Kernel</a:t>
+            </a:r>
+            <a:r>
+              <a:rPr lang="zh-TW" altLang="en-US" dirty="0"/>
+              <a:t>大小</a:t>
+            </a:r>
+          </a:p>
+        </p:txBody>
+      </p:sp>
+      <p:sp>
+        <p:nvSpPr>
+          <p:cNvPr id="60" name="文字方塊 59">
+            <a:extLst>
+              <a:ext uri="{FF2B5EF4-FFF2-40B4-BE49-F238E27FC236}">
+                <a16:creationId xmlns:a16="http://schemas.microsoft.com/office/drawing/2014/main" id="{53361547-FE11-47FB-A35B-D2A6401B9DB2}"/>
+              </a:ext>
+            </a:extLst>
+          </p:cNvPr>
+          <p:cNvSpPr txBox="1"/>
+          <p:nvPr/>
+        </p:nvSpPr>
+        <p:spPr>
+          <a:xfrm>
+            <a:off x="3641029" y="3312804"/>
+            <a:ext cx="1252889" cy="369332"/>
+          </a:xfrm>
+          <a:prstGeom prst="rect">
+            <a:avLst/>
+          </a:prstGeom>
+          <a:solidFill>
+            <a:schemeClr val="tx1">
+              <a:lumMod val="50000"/>
+              <a:lumOff val="50000"/>
+            </a:schemeClr>
+          </a:solidFill>
+          <a:ln>
+            <a:solidFill>
+              <a:schemeClr val="tx1"/>
+            </a:solidFill>
+          </a:ln>
+        </p:spPr>
+        <p:txBody>
+          <a:bodyPr wrap="square" rtlCol="0">
+            <a:spAutoFit/>
+          </a:bodyPr>
+          <a:lstStyle/>
+          <a:p>
+            <a:pPr algn="ctr"/>
+            <a:r>
+              <a:rPr lang="en-US" altLang="zh-TW" dirty="0"/>
+              <a:t>STRIDE</a:t>
+            </a:r>
+            <a:endParaRPr lang="zh-TW" altLang="en-US" dirty="0"/>
+          </a:p>
+        </p:txBody>
+      </p:sp>
+      <p:sp>
+        <p:nvSpPr>
+          <p:cNvPr id="62" name="矩形: 圓角 61">
+            <a:extLst>
+              <a:ext uri="{FF2B5EF4-FFF2-40B4-BE49-F238E27FC236}">
+                <a16:creationId xmlns:a16="http://schemas.microsoft.com/office/drawing/2014/main" id="{232E401F-C31E-4852-AABF-87C5281AC1B8}"/>
+              </a:ext>
+            </a:extLst>
+          </p:cNvPr>
+          <p:cNvSpPr/>
+          <p:nvPr/>
+        </p:nvSpPr>
+        <p:spPr>
+          <a:xfrm>
+            <a:off x="7651433" y="2078691"/>
+            <a:ext cx="2087668" cy="1673103"/>
+          </a:xfrm>
+          <a:prstGeom prst="roundRect">
+            <a:avLst/>
+          </a:prstGeom>
+          <a:solidFill>
+            <a:schemeClr val="bg1"/>
+          </a:solidFill>
+        </p:spPr>
+        <p:style>
+          <a:lnRef idx="2">
+            <a:schemeClr val="accent1">
+              <a:shade val="50000"/>
+            </a:schemeClr>
+          </a:lnRef>
+          <a:fillRef idx="1">
+            <a:schemeClr val="accent1"/>
+          </a:fillRef>
+          <a:effectRef idx="0">
+            <a:schemeClr val="accent1"/>
+          </a:effectRef>
+          <a:fontRef idx="minor">
+            <a:schemeClr val="lt1"/>
+          </a:fontRef>
+        </p:style>
+        <p:txBody>
+          <a:bodyPr rtlCol="0" anchor="ctr"/>
+          <a:lstStyle/>
+          <a:p>
+            <a:pPr algn="ctr"/>
+            <a:endParaRPr lang="zh-TW" altLang="en-US"/>
+          </a:p>
+        </p:txBody>
+      </p:sp>
+      <p:sp>
+        <p:nvSpPr>
+          <p:cNvPr id="63" name="文字方塊 62">
+            <a:extLst>
+              <a:ext uri="{FF2B5EF4-FFF2-40B4-BE49-F238E27FC236}">
+                <a16:creationId xmlns:a16="http://schemas.microsoft.com/office/drawing/2014/main" id="{B19A6FA0-DD98-4C37-9359-B24D00ED869F}"/>
+              </a:ext>
+            </a:extLst>
+          </p:cNvPr>
+          <p:cNvSpPr txBox="1"/>
+          <p:nvPr/>
+        </p:nvSpPr>
+        <p:spPr>
+          <a:xfrm>
+            <a:off x="8112297" y="2214980"/>
+            <a:ext cx="1133856" cy="369332"/>
+          </a:xfrm>
+          <a:prstGeom prst="rect">
+            <a:avLst/>
+          </a:prstGeom>
+          <a:solidFill>
+            <a:schemeClr val="tx1">
+              <a:lumMod val="50000"/>
+              <a:lumOff val="50000"/>
+            </a:schemeClr>
+          </a:solidFill>
+          <a:ln>
+            <a:solidFill>
+              <a:schemeClr val="tx1"/>
+            </a:solidFill>
+          </a:ln>
+        </p:spPr>
+        <p:txBody>
+          <a:bodyPr wrap="square" rtlCol="0">
+            <a:spAutoFit/>
+          </a:bodyPr>
+          <a:lstStyle/>
+          <a:p>
+            <a:pPr algn="ctr"/>
+            <a:r>
+              <a:rPr lang="zh-TW" altLang="en-US" dirty="0"/>
+              <a:t>統計紋路</a:t>
+            </a:r>
+          </a:p>
+        </p:txBody>
+      </p:sp>
+      <p:sp>
+        <p:nvSpPr>
+          <p:cNvPr id="64" name="文字方塊 63">
+            <a:extLst>
+              <a:ext uri="{FF2B5EF4-FFF2-40B4-BE49-F238E27FC236}">
+                <a16:creationId xmlns:a16="http://schemas.microsoft.com/office/drawing/2014/main" id="{94BE2822-EFE9-4A37-817D-C87B0E06D784}"/>
+              </a:ext>
+            </a:extLst>
+          </p:cNvPr>
+          <p:cNvSpPr txBox="1"/>
+          <p:nvPr/>
+        </p:nvSpPr>
+        <p:spPr>
+          <a:xfrm>
+            <a:off x="7873141" y="2720601"/>
+            <a:ext cx="1678529" cy="369332"/>
+          </a:xfrm>
+          <a:prstGeom prst="rect">
+            <a:avLst/>
+          </a:prstGeom>
+          <a:solidFill>
+            <a:schemeClr val="tx1">
+              <a:lumMod val="50000"/>
+              <a:lumOff val="50000"/>
+            </a:schemeClr>
+          </a:solidFill>
+          <a:ln>
+            <a:solidFill>
+              <a:schemeClr val="tx1"/>
+            </a:solidFill>
+          </a:ln>
+        </p:spPr>
+        <p:txBody>
+          <a:bodyPr wrap="square" rtlCol="0">
+            <a:spAutoFit/>
+          </a:bodyPr>
+          <a:lstStyle/>
+          <a:p>
+            <a:pPr algn="ctr"/>
+            <a:r>
+              <a:rPr lang="zh-TW" altLang="en-US" dirty="0"/>
+              <a:t>尋找相似紋路</a:t>
+            </a:r>
+          </a:p>
+        </p:txBody>
+      </p:sp>
+      <p:sp>
+        <p:nvSpPr>
+          <p:cNvPr id="65" name="文字方塊 64">
+            <a:extLst>
+              <a:ext uri="{FF2B5EF4-FFF2-40B4-BE49-F238E27FC236}">
+                <a16:creationId xmlns:a16="http://schemas.microsoft.com/office/drawing/2014/main" id="{149D2938-55D8-4E44-8E15-C8BA199CA9F4}"/>
+              </a:ext>
+            </a:extLst>
+          </p:cNvPr>
+          <p:cNvSpPr txBox="1"/>
+          <p:nvPr/>
+        </p:nvSpPr>
+        <p:spPr>
+          <a:xfrm>
+            <a:off x="7873140" y="3191879"/>
+            <a:ext cx="1678529" cy="369332"/>
+          </a:xfrm>
+          <a:prstGeom prst="rect">
+            <a:avLst/>
+          </a:prstGeom>
+          <a:solidFill>
+            <a:schemeClr val="tx1">
+              <a:lumMod val="50000"/>
+              <a:lumOff val="50000"/>
+            </a:schemeClr>
+          </a:solidFill>
+          <a:ln>
+            <a:solidFill>
+              <a:schemeClr val="tx1"/>
+            </a:solidFill>
+          </a:ln>
+        </p:spPr>
+        <p:txBody>
+          <a:bodyPr wrap="square" rtlCol="0">
+            <a:spAutoFit/>
+          </a:bodyPr>
+          <a:lstStyle/>
+          <a:p>
+            <a:pPr algn="ctr"/>
+            <a:r>
+              <a:rPr lang="zh-TW" altLang="en-US" dirty="0"/>
+              <a:t>標記特定區域</a:t>
+            </a:r>
+          </a:p>
+        </p:txBody>
+      </p:sp>
+      <p:sp>
+        <p:nvSpPr>
+          <p:cNvPr id="66" name="文字方塊 65">
+            <a:extLst>
+              <a:ext uri="{FF2B5EF4-FFF2-40B4-BE49-F238E27FC236}">
+                <a16:creationId xmlns:a16="http://schemas.microsoft.com/office/drawing/2014/main" id="{D613F705-F72A-4607-AD71-B2E1E44BB363}"/>
+              </a:ext>
+            </a:extLst>
+          </p:cNvPr>
+          <p:cNvSpPr txBox="1"/>
+          <p:nvPr/>
+        </p:nvSpPr>
+        <p:spPr>
+          <a:xfrm>
+            <a:off x="10076705" y="2774800"/>
+            <a:ext cx="1678529" cy="369332"/>
+          </a:xfrm>
+          <a:prstGeom prst="rect">
+            <a:avLst/>
+          </a:prstGeom>
+          <a:solidFill>
+            <a:schemeClr val="tx1">
+              <a:lumMod val="50000"/>
+              <a:lumOff val="50000"/>
+            </a:schemeClr>
+          </a:solidFill>
+          <a:ln>
+            <a:solidFill>
+              <a:schemeClr val="tx1"/>
+            </a:solidFill>
+          </a:ln>
+        </p:spPr>
+        <p:txBody>
+          <a:bodyPr wrap="square" rtlCol="0">
+            <a:spAutoFit/>
+          </a:bodyPr>
+          <a:lstStyle/>
+          <a:p>
+            <a:pPr algn="ctr"/>
+            <a:r>
+              <a:rPr lang="zh-TW" altLang="en-US" dirty="0"/>
+              <a:t>特定區域塗色</a:t>
             </a:r>
           </a:p>
         </p:txBody>
       </p:sp>
       <p:cxnSp>
         <p:nvCxnSpPr>
-          <p:cNvPr id="22" name="直線單箭頭接點 21">
-            <a:extLst>
-              <a:ext uri="{FF2B5EF4-FFF2-40B4-BE49-F238E27FC236}">
-                <a16:creationId xmlns:a16="http://schemas.microsoft.com/office/drawing/2014/main" id="{240CAA48-8853-4910-B956-5A957EF2CC88}"/>
+          <p:cNvPr id="68" name="直線單箭頭接點 67">
+            <a:extLst>
+              <a:ext uri="{FF2B5EF4-FFF2-40B4-BE49-F238E27FC236}">
+                <a16:creationId xmlns:a16="http://schemas.microsoft.com/office/drawing/2014/main" id="{8CBD22EC-8C86-4346-8034-4C4796B553CE}"/>
               </a:ext>
             </a:extLst>
           </p:cNvPr>
@@ -3851,8 +5576,8 @@
         </p:nvCxnSpPr>
         <p:spPr>
           <a:xfrm>
-            <a:off x="3474320" y="1381945"/>
-            <a:ext cx="368407" cy="0"/>
+            <a:off x="3035261" y="2988073"/>
+            <a:ext cx="337604" cy="0"/>
           </a:xfrm>
           <a:prstGeom prst="straightConnector1">
             <a:avLst/>
@@ -3881,10 +5606,10 @@
       </p:cxnSp>
       <p:cxnSp>
         <p:nvCxnSpPr>
-          <p:cNvPr id="23" name="直線單箭頭接點 22">
-            <a:extLst>
-              <a:ext uri="{FF2B5EF4-FFF2-40B4-BE49-F238E27FC236}">
-                <a16:creationId xmlns:a16="http://schemas.microsoft.com/office/drawing/2014/main" id="{59D75CBB-B2FD-4E5D-8BD6-94AFC617E610}"/>
+          <p:cNvPr id="69" name="直線單箭頭接點 68">
+            <a:extLst>
+              <a:ext uri="{FF2B5EF4-FFF2-40B4-BE49-F238E27FC236}">
+                <a16:creationId xmlns:a16="http://schemas.microsoft.com/office/drawing/2014/main" id="{9405AFA8-F0BA-43B1-A718-9DC0C2882D16}"/>
               </a:ext>
             </a:extLst>
           </p:cNvPr>
@@ -3895,179 +5620,8 @@
         </p:nvCxnSpPr>
         <p:spPr>
           <a:xfrm>
-            <a:off x="4976583" y="1381945"/>
-            <a:ext cx="368407" cy="0"/>
-          </a:xfrm>
-          <a:prstGeom prst="straightConnector1">
-            <a:avLst/>
-          </a:prstGeom>
-          <a:ln>
-            <a:solidFill>
-              <a:schemeClr val="tx1"/>
-            </a:solidFill>
-            <a:tailEnd type="triangle"/>
-          </a:ln>
-        </p:spPr>
-        <p:style>
-          <a:lnRef idx="1">
-            <a:schemeClr val="accent1"/>
-          </a:lnRef>
-          <a:fillRef idx="0">
-            <a:schemeClr val="accent1"/>
-          </a:fillRef>
-          <a:effectRef idx="0">
-            <a:schemeClr val="accent1"/>
-          </a:effectRef>
-          <a:fontRef idx="minor">
-            <a:schemeClr val="tx1"/>
-          </a:fontRef>
-        </p:style>
-      </p:cxnSp>
-      <p:sp>
-        <p:nvSpPr>
-          <p:cNvPr id="27" name="文字方塊 26">
-            <a:extLst>
-              <a:ext uri="{FF2B5EF4-FFF2-40B4-BE49-F238E27FC236}">
-                <a16:creationId xmlns:a16="http://schemas.microsoft.com/office/drawing/2014/main" id="{47711553-CCC2-4021-9739-B00F161A0523}"/>
-              </a:ext>
-            </a:extLst>
-          </p:cNvPr>
-          <p:cNvSpPr txBox="1"/>
-          <p:nvPr/>
-        </p:nvSpPr>
-        <p:spPr>
-          <a:xfrm>
-            <a:off x="6782079" y="5270510"/>
-            <a:ext cx="1513330" cy="923330"/>
-          </a:xfrm>
-          <a:prstGeom prst="rect">
-            <a:avLst/>
-          </a:prstGeom>
-          <a:noFill/>
-          <a:ln>
-            <a:solidFill>
-              <a:schemeClr val="tx1"/>
-            </a:solidFill>
-          </a:ln>
-        </p:spPr>
-        <p:txBody>
-          <a:bodyPr wrap="square" rtlCol="0">
-            <a:spAutoFit/>
-          </a:bodyPr>
-          <a:lstStyle/>
-          <a:p>
-            <a:pPr algn="ctr"/>
-            <a:r>
-              <a:rPr lang="zh-TW" altLang="en-US" dirty="0"/>
-              <a:t>比較直方圖並標記相似度高的區域</a:t>
-            </a:r>
-          </a:p>
-        </p:txBody>
-      </p:sp>
-      <p:cxnSp>
-        <p:nvCxnSpPr>
-          <p:cNvPr id="29" name="直線單箭頭接點 28">
-            <a:extLst>
-              <a:ext uri="{FF2B5EF4-FFF2-40B4-BE49-F238E27FC236}">
-                <a16:creationId xmlns:a16="http://schemas.microsoft.com/office/drawing/2014/main" id="{03664C4E-AB45-4EB4-AE4E-0B459121A220}"/>
-              </a:ext>
-            </a:extLst>
-          </p:cNvPr>
-          <p:cNvCxnSpPr>
-            <a:cxnSpLocks/>
-          </p:cNvCxnSpPr>
-          <p:nvPr/>
-        </p:nvCxnSpPr>
-        <p:spPr>
-          <a:xfrm>
-            <a:off x="7581900" y="1566612"/>
-            <a:ext cx="0" cy="3686754"/>
-          </a:xfrm>
-          <a:prstGeom prst="straightConnector1">
-            <a:avLst/>
-          </a:prstGeom>
-          <a:ln>
-            <a:solidFill>
-              <a:schemeClr val="tx1"/>
-            </a:solidFill>
-            <a:tailEnd type="triangle"/>
-          </a:ln>
-        </p:spPr>
-        <p:style>
-          <a:lnRef idx="1">
-            <a:schemeClr val="accent1"/>
-          </a:lnRef>
-          <a:fillRef idx="0">
-            <a:schemeClr val="accent1"/>
-          </a:fillRef>
-          <a:effectRef idx="0">
-            <a:schemeClr val="accent1"/>
-          </a:effectRef>
-          <a:fontRef idx="minor">
-            <a:schemeClr val="tx1"/>
-          </a:fontRef>
-        </p:style>
-      </p:cxnSp>
-      <p:sp>
-        <p:nvSpPr>
-          <p:cNvPr id="39" name="文字方塊 38">
-            <a:extLst>
-              <a:ext uri="{FF2B5EF4-FFF2-40B4-BE49-F238E27FC236}">
-                <a16:creationId xmlns:a16="http://schemas.microsoft.com/office/drawing/2014/main" id="{7D38CA2F-D1D0-4478-A272-0408631813BD}"/>
-              </a:ext>
-            </a:extLst>
-          </p:cNvPr>
-          <p:cNvSpPr txBox="1"/>
-          <p:nvPr/>
-        </p:nvSpPr>
-        <p:spPr>
-          <a:xfrm>
-            <a:off x="6955456" y="1180136"/>
-            <a:ext cx="1252889" cy="369332"/>
-          </a:xfrm>
-          <a:prstGeom prst="rect">
-            <a:avLst/>
-          </a:prstGeom>
-          <a:noFill/>
-          <a:ln>
-            <a:solidFill>
-              <a:schemeClr val="tx1"/>
-            </a:solidFill>
-          </a:ln>
-        </p:spPr>
-        <p:txBody>
-          <a:bodyPr wrap="square" rtlCol="0">
-            <a:spAutoFit/>
-          </a:bodyPr>
-          <a:lstStyle/>
-          <a:p>
-            <a:pPr algn="ctr"/>
-            <a:r>
-              <a:rPr lang="en-US" altLang="zh-TW" dirty="0"/>
-              <a:t>STRIDE</a:t>
-            </a:r>
-            <a:endParaRPr lang="zh-TW" altLang="en-US" dirty="0"/>
-          </a:p>
-        </p:txBody>
-      </p:sp>
-      <p:cxnSp>
-        <p:nvCxnSpPr>
-          <p:cNvPr id="40" name="直線單箭頭接點 39">
-            <a:extLst>
-              <a:ext uri="{FF2B5EF4-FFF2-40B4-BE49-F238E27FC236}">
-                <a16:creationId xmlns:a16="http://schemas.microsoft.com/office/drawing/2014/main" id="{5FB5457C-14F6-42BB-8828-C6262238CC96}"/>
-              </a:ext>
-            </a:extLst>
-          </p:cNvPr>
-          <p:cNvCxnSpPr>
-            <a:cxnSpLocks/>
-          </p:cNvCxnSpPr>
-          <p:nvPr/>
-        </p:nvCxnSpPr>
-        <p:spPr>
-          <a:xfrm>
-            <a:off x="6597876" y="1375743"/>
-            <a:ext cx="368407" cy="0"/>
+            <a:off x="7313829" y="2896000"/>
+            <a:ext cx="337604" cy="0"/>
           </a:xfrm>
           <a:prstGeom prst="straightConnector1">
             <a:avLst/>
@@ -4096,10 +5650,10 @@
       </p:cxnSp>
       <p:cxnSp>
         <p:nvCxnSpPr>
-          <p:cNvPr id="42" name="直線單箭頭接點 41">
-            <a:extLst>
-              <a:ext uri="{FF2B5EF4-FFF2-40B4-BE49-F238E27FC236}">
-                <a16:creationId xmlns:a16="http://schemas.microsoft.com/office/drawing/2014/main" id="{5D41C1D9-3215-4FCE-A2AA-2BC75D4A7A06}"/>
+          <p:cNvPr id="70" name="直線單箭頭接點 69">
+            <a:extLst>
+              <a:ext uri="{FF2B5EF4-FFF2-40B4-BE49-F238E27FC236}">
+                <a16:creationId xmlns:a16="http://schemas.microsoft.com/office/drawing/2014/main" id="{3716652E-D65D-4D1E-B87B-30E76EE1EC52}"/>
               </a:ext>
             </a:extLst>
           </p:cNvPr>
@@ -4109,9 +5663,9 @@
           <p:nvPr/>
         </p:nvCxnSpPr>
         <p:spPr>
-          <a:xfrm flipH="1">
-            <a:off x="5389945" y="5716770"/>
-            <a:ext cx="1392134" cy="0"/>
+          <a:xfrm>
+            <a:off x="9739101" y="2965659"/>
+            <a:ext cx="337604" cy="0"/>
           </a:xfrm>
           <a:prstGeom prst="straightConnector1">
             <a:avLst/>
@@ -4138,53 +5692,12 @@
           </a:fontRef>
         </p:style>
       </p:cxnSp>
-      <p:sp>
-        <p:nvSpPr>
-          <p:cNvPr id="44" name="文字方塊 43">
-            <a:extLst>
-              <a:ext uri="{FF2B5EF4-FFF2-40B4-BE49-F238E27FC236}">
-                <a16:creationId xmlns:a16="http://schemas.microsoft.com/office/drawing/2014/main" id="{1D25C2DB-1190-44B9-9141-8F2395B4E0BB}"/>
-              </a:ext>
-            </a:extLst>
-          </p:cNvPr>
-          <p:cNvSpPr txBox="1"/>
-          <p:nvPr/>
-        </p:nvSpPr>
-        <p:spPr>
-          <a:xfrm>
-            <a:off x="3474319" y="5318586"/>
-            <a:ext cx="1928741" cy="923330"/>
-          </a:xfrm>
-          <a:prstGeom prst="rect">
-            <a:avLst/>
-          </a:prstGeom>
-          <a:noFill/>
-          <a:ln>
-            <a:solidFill>
-              <a:schemeClr val="tx1"/>
-            </a:solidFill>
-          </a:ln>
-        </p:spPr>
-        <p:txBody>
-          <a:bodyPr wrap="square" rtlCol="0">
-            <a:spAutoFit/>
-          </a:bodyPr>
-          <a:lstStyle/>
-          <a:p>
-            <a:pPr algn="ctr"/>
-            <a:r>
-              <a:rPr lang="zh-TW" altLang="en-US" dirty="0"/>
-              <a:t>將標記出的區域透過注水的方法將其標示出來</a:t>
-            </a:r>
-          </a:p>
-        </p:txBody>
-      </p:sp>
       <p:cxnSp>
         <p:nvCxnSpPr>
-          <p:cNvPr id="45" name="直線單箭頭接點 44">
-            <a:extLst>
-              <a:ext uri="{FF2B5EF4-FFF2-40B4-BE49-F238E27FC236}">
-                <a16:creationId xmlns:a16="http://schemas.microsoft.com/office/drawing/2014/main" id="{596DF151-5637-42BA-9858-200E7CFEEB49}"/>
+          <p:cNvPr id="71" name="直線單箭頭接點 70">
+            <a:extLst>
+              <a:ext uri="{FF2B5EF4-FFF2-40B4-BE49-F238E27FC236}">
+                <a16:creationId xmlns:a16="http://schemas.microsoft.com/office/drawing/2014/main" id="{E8458961-7101-45CB-8EAA-0680C5F5D9DA}"/>
               </a:ext>
             </a:extLst>
           </p:cNvPr>
@@ -4195,8 +5708,8 @@
         </p:nvCxnSpPr>
         <p:spPr>
           <a:xfrm>
-            <a:off x="6597876" y="2711937"/>
-            <a:ext cx="984024" cy="0"/>
+            <a:off x="5170394" y="2929317"/>
+            <a:ext cx="337604" cy="0"/>
           </a:xfrm>
           <a:prstGeom prst="straightConnector1">
             <a:avLst/>
@@ -4226,7 +5739,1294 @@
     </p:spTree>
     <p:extLst>
       <p:ext uri="{BB962C8B-B14F-4D97-AF65-F5344CB8AC3E}">
-        <p14:creationId xmlns:p14="http://schemas.microsoft.com/office/powerpoint/2010/main" val="597109987"/>
+        <p14:creationId xmlns:p14="http://schemas.microsoft.com/office/powerpoint/2010/main" val="7295644"/>
+      </p:ext>
+    </p:extLst>
+  </p:cSld>
+  <p:clrMapOvr>
+    <a:masterClrMapping/>
+  </p:clrMapOvr>
+</p:sld>
+</file>
+
+<file path=ppt/slides/slide3.xml><?xml version="1.0" encoding="utf-8"?>
+<p:sld xmlns:a="http://schemas.openxmlformats.org/drawingml/2006/main" xmlns:r="http://schemas.openxmlformats.org/officeDocument/2006/relationships" xmlns:p="http://schemas.openxmlformats.org/presentationml/2006/main">
+  <p:cSld>
+    <p:spTree>
+      <p:nvGrpSpPr>
+        <p:cNvPr id="1" name=""/>
+        <p:cNvGrpSpPr/>
+        <p:nvPr/>
+      </p:nvGrpSpPr>
+      <p:grpSpPr>
+        <a:xfrm>
+          <a:off x="0" y="0"/>
+          <a:ext cx="0" cy="0"/>
+          <a:chOff x="0" y="0"/>
+          <a:chExt cx="0" cy="0"/>
+        </a:xfrm>
+      </p:grpSpPr>
+      <p:sp>
+        <p:nvSpPr>
+          <p:cNvPr id="2" name="標題 1">
+            <a:extLst>
+              <a:ext uri="{FF2B5EF4-FFF2-40B4-BE49-F238E27FC236}">
+                <a16:creationId xmlns:a16="http://schemas.microsoft.com/office/drawing/2014/main" id="{38CC904B-7C99-4AA4-92C4-A1E16F6194A0}"/>
+              </a:ext>
+            </a:extLst>
+          </p:cNvPr>
+          <p:cNvSpPr>
+            <a:spLocks noGrp="1"/>
+          </p:cNvSpPr>
+          <p:nvPr>
+            <p:ph type="title"/>
+          </p:nvPr>
+        </p:nvSpPr>
+        <p:spPr>
+          <a:xfrm>
+            <a:off x="779477" y="497729"/>
+            <a:ext cx="10515600" cy="733833"/>
+          </a:xfrm>
+        </p:spPr>
+        <p:txBody>
+          <a:bodyPr>
+            <a:normAutofit/>
+          </a:bodyPr>
+          <a:lstStyle/>
+          <a:p>
+            <a:r>
+              <a:rPr lang="en-US" altLang="zh-TW" sz="3200" dirty="0"/>
+              <a:t>API</a:t>
+            </a:r>
+            <a:r>
+              <a:rPr lang="zh-TW" altLang="en-US" sz="3200" dirty="0"/>
+              <a:t> 影像前處理</a:t>
+            </a:r>
+          </a:p>
+        </p:txBody>
+      </p:sp>
+      <p:graphicFrame>
+        <p:nvGraphicFramePr>
+          <p:cNvPr id="5" name="內容版面配置區 3">
+            <a:extLst>
+              <a:ext uri="{FF2B5EF4-FFF2-40B4-BE49-F238E27FC236}">
+                <a16:creationId xmlns:a16="http://schemas.microsoft.com/office/drawing/2014/main" id="{BBC5F671-53E3-4A0A-ABDD-7262F8A1580A}"/>
+              </a:ext>
+            </a:extLst>
+          </p:cNvPr>
+          <p:cNvGraphicFramePr>
+            <a:graphicFrameLocks/>
+          </p:cNvGraphicFramePr>
+          <p:nvPr>
+            <p:extLst>
+              <p:ext uri="{D42A27DB-BD31-4B8C-83A1-F6EECF244321}">
+                <p14:modId xmlns:p14="http://schemas.microsoft.com/office/powerpoint/2010/main" val="3556029423"/>
+              </p:ext>
+            </p:extLst>
+          </p:nvPr>
+        </p:nvGraphicFramePr>
+        <p:xfrm>
+          <a:off x="779477" y="2901144"/>
+          <a:ext cx="10515600" cy="1672950"/>
+        </p:xfrm>
+        <a:graphic>
+          <a:graphicData uri="http://schemas.openxmlformats.org/drawingml/2006/table">
+            <a:tbl>
+              <a:tblPr firstRow="1" bandRow="1">
+                <a:tableStyleId>{5C22544A-7EE6-4342-B048-85BDC9FD1C3A}</a:tableStyleId>
+              </a:tblPr>
+              <a:tblGrid>
+                <a:gridCol w="1388165">
+                  <a:extLst>
+                    <a:ext uri="{9D8B030D-6E8A-4147-A177-3AD203B41FA5}">
+                      <a16:colId xmlns:a16="http://schemas.microsoft.com/office/drawing/2014/main" val="3672806784"/>
+                    </a:ext>
+                  </a:extLst>
+                </a:gridCol>
+                <a:gridCol w="9127435">
+                  <a:extLst>
+                    <a:ext uri="{9D8B030D-6E8A-4147-A177-3AD203B41FA5}">
+                      <a16:colId xmlns:a16="http://schemas.microsoft.com/office/drawing/2014/main" val="3224140378"/>
+                    </a:ext>
+                  </a:extLst>
+                </a:gridCol>
+              </a:tblGrid>
+              <a:tr h="557650">
+                <a:tc>
+                  <a:txBody>
+                    <a:bodyPr/>
+                    <a:lstStyle/>
+                    <a:p>
+                      <a:r>
+                        <a:rPr lang="en-US" altLang="zh-TW" dirty="0"/>
+                        <a:t>Input</a:t>
+                      </a:r>
+                      <a:endParaRPr lang="zh-TW" altLang="en-US" dirty="0"/>
+                    </a:p>
+                  </a:txBody>
+                  <a:tcPr/>
+                </a:tc>
+                <a:tc>
+                  <a:txBody>
+                    <a:bodyPr/>
+                    <a:lstStyle/>
+                    <a:p>
+                      <a:r>
+                        <a:rPr lang="en-US" altLang="zh-TW" dirty="0"/>
+                        <a:t>Original Image(</a:t>
+                      </a:r>
+                      <a:r>
+                        <a:rPr lang="zh-TW" altLang="en-US" dirty="0"/>
+                        <a:t>原始圖片</a:t>
+                      </a:r>
+                      <a:r>
+                        <a:rPr lang="en-US" altLang="zh-TW" dirty="0"/>
+                        <a:t>)</a:t>
+                      </a:r>
+                      <a:endParaRPr lang="zh-TW" altLang="en-US" dirty="0"/>
+                    </a:p>
+                  </a:txBody>
+                  <a:tcPr/>
+                </a:tc>
+                <a:extLst>
+                  <a:ext uri="{0D108BD9-81ED-4DB2-BD59-A6C34878D82A}">
+                    <a16:rowId xmlns:a16="http://schemas.microsoft.com/office/drawing/2014/main" val="3197674006"/>
+                  </a:ext>
+                </a:extLst>
+              </a:tr>
+              <a:tr h="557650">
+                <a:tc>
+                  <a:txBody>
+                    <a:bodyPr/>
+                    <a:lstStyle/>
+                    <a:p>
+                      <a:r>
+                        <a:rPr lang="en-US" altLang="zh-TW" dirty="0"/>
+                        <a:t>Output</a:t>
+                      </a:r>
+                      <a:endParaRPr lang="zh-TW" altLang="en-US" dirty="0"/>
+                    </a:p>
+                  </a:txBody>
+                  <a:tcPr/>
+                </a:tc>
+                <a:tc>
+                  <a:txBody>
+                    <a:bodyPr/>
+                    <a:lstStyle/>
+                    <a:p>
+                      <a:r>
+                        <a:rPr lang="en-US" altLang="zh-TW" dirty="0" err="1"/>
+                        <a:t>gray_image</a:t>
+                      </a:r>
+                      <a:r>
+                        <a:rPr lang="en-US" altLang="zh-TW" dirty="0"/>
+                        <a:t>(</a:t>
+                      </a:r>
+                      <a:r>
+                        <a:rPr lang="zh-TW" altLang="en-US" dirty="0"/>
+                        <a:t>灰階圖片</a:t>
+                      </a:r>
+                      <a:r>
+                        <a:rPr lang="en-US" altLang="zh-TW" dirty="0"/>
+                        <a:t>) </a:t>
+                      </a:r>
+                      <a:r>
+                        <a:rPr lang="zh-TW" altLang="en-US" dirty="0"/>
+                        <a:t>　</a:t>
+                      </a:r>
+                    </a:p>
+                  </a:txBody>
+                  <a:tcPr/>
+                </a:tc>
+                <a:extLst>
+                  <a:ext uri="{0D108BD9-81ED-4DB2-BD59-A6C34878D82A}">
+                    <a16:rowId xmlns:a16="http://schemas.microsoft.com/office/drawing/2014/main" val="159595901"/>
+                  </a:ext>
+                </a:extLst>
+              </a:tr>
+              <a:tr h="557650">
+                <a:tc>
+                  <a:txBody>
+                    <a:bodyPr/>
+                    <a:lstStyle/>
+                    <a:p>
+                      <a:r>
+                        <a:rPr lang="en-US" altLang="zh-TW" dirty="0"/>
+                        <a:t>Function</a:t>
+                      </a:r>
+                      <a:endParaRPr lang="zh-TW" altLang="en-US" dirty="0"/>
+                    </a:p>
+                  </a:txBody>
+                  <a:tcPr/>
+                </a:tc>
+                <a:tc>
+                  <a:txBody>
+                    <a:bodyPr/>
+                    <a:lstStyle/>
+                    <a:p>
+                      <a:r>
+                        <a:rPr lang="en-US" altLang="zh-TW" dirty="0" err="1"/>
+                        <a:t>load_and_prepare_image</a:t>
+                      </a:r>
+                      <a:r>
+                        <a:rPr lang="en-US" altLang="zh-TW" dirty="0"/>
+                        <a:t>(</a:t>
+                      </a:r>
+                      <a:r>
+                        <a:rPr lang="en-US" altLang="zh-TW" dirty="0" err="1"/>
+                        <a:t>image_path</a:t>
+                      </a:r>
+                      <a:r>
+                        <a:rPr lang="en-US" altLang="zh-TW" dirty="0"/>
+                        <a:t>)</a:t>
+                      </a:r>
+                      <a:endParaRPr lang="zh-TW" altLang="en-US" dirty="0"/>
+                    </a:p>
+                  </a:txBody>
+                  <a:tcPr/>
+                </a:tc>
+                <a:extLst>
+                  <a:ext uri="{0D108BD9-81ED-4DB2-BD59-A6C34878D82A}">
+                    <a16:rowId xmlns:a16="http://schemas.microsoft.com/office/drawing/2014/main" val="1352399962"/>
+                  </a:ext>
+                </a:extLst>
+              </a:tr>
+            </a:tbl>
+          </a:graphicData>
+        </a:graphic>
+      </p:graphicFrame>
+    </p:spTree>
+    <p:extLst>
+      <p:ext uri="{BB962C8B-B14F-4D97-AF65-F5344CB8AC3E}">
+        <p14:creationId xmlns:p14="http://schemas.microsoft.com/office/powerpoint/2010/main" val="371318749"/>
+      </p:ext>
+    </p:extLst>
+  </p:cSld>
+  <p:clrMapOvr>
+    <a:masterClrMapping/>
+  </p:clrMapOvr>
+</p:sld>
+</file>
+
+<file path=ppt/slides/slide4.xml><?xml version="1.0" encoding="utf-8"?>
+<p:sld xmlns:a="http://schemas.openxmlformats.org/drawingml/2006/main" xmlns:r="http://schemas.openxmlformats.org/officeDocument/2006/relationships" xmlns:p="http://schemas.openxmlformats.org/presentationml/2006/main">
+  <p:cSld>
+    <p:spTree>
+      <p:nvGrpSpPr>
+        <p:cNvPr id="1" name=""/>
+        <p:cNvGrpSpPr/>
+        <p:nvPr/>
+      </p:nvGrpSpPr>
+      <p:grpSpPr>
+        <a:xfrm>
+          <a:off x="0" y="0"/>
+          <a:ext cx="0" cy="0"/>
+          <a:chOff x="0" y="0"/>
+          <a:chExt cx="0" cy="0"/>
+        </a:xfrm>
+      </p:grpSpPr>
+      <p:sp>
+        <p:nvSpPr>
+          <p:cNvPr id="2" name="標題 1">
+            <a:extLst>
+              <a:ext uri="{FF2B5EF4-FFF2-40B4-BE49-F238E27FC236}">
+                <a16:creationId xmlns:a16="http://schemas.microsoft.com/office/drawing/2014/main" id="{38CC904B-7C99-4AA4-92C4-A1E16F6194A0}"/>
+              </a:ext>
+            </a:extLst>
+          </p:cNvPr>
+          <p:cNvSpPr>
+            <a:spLocks noGrp="1"/>
+          </p:cNvSpPr>
+          <p:nvPr>
+            <p:ph type="title"/>
+          </p:nvPr>
+        </p:nvSpPr>
+        <p:spPr>
+          <a:xfrm>
+            <a:off x="779477" y="497729"/>
+            <a:ext cx="10515600" cy="733833"/>
+          </a:xfrm>
+        </p:spPr>
+        <p:txBody>
+          <a:bodyPr>
+            <a:normAutofit/>
+          </a:bodyPr>
+          <a:lstStyle/>
+          <a:p>
+            <a:r>
+              <a:rPr lang="en-US" altLang="zh-TW" sz="3200" dirty="0"/>
+              <a:t>API SOBEL</a:t>
+            </a:r>
+            <a:endParaRPr lang="zh-TW" altLang="en-US" sz="3200" dirty="0"/>
+          </a:p>
+        </p:txBody>
+      </p:sp>
+      <p:graphicFrame>
+        <p:nvGraphicFramePr>
+          <p:cNvPr id="5" name="內容版面配置區 3">
+            <a:extLst>
+              <a:ext uri="{FF2B5EF4-FFF2-40B4-BE49-F238E27FC236}">
+                <a16:creationId xmlns:a16="http://schemas.microsoft.com/office/drawing/2014/main" id="{BBC5F671-53E3-4A0A-ABDD-7262F8A1580A}"/>
+              </a:ext>
+            </a:extLst>
+          </p:cNvPr>
+          <p:cNvGraphicFramePr>
+            <a:graphicFrameLocks/>
+          </p:cNvGraphicFramePr>
+          <p:nvPr>
+            <p:extLst>
+              <p:ext uri="{D42A27DB-BD31-4B8C-83A1-F6EECF244321}">
+                <p14:modId xmlns:p14="http://schemas.microsoft.com/office/powerpoint/2010/main" val="2535640636"/>
+              </p:ext>
+            </p:extLst>
+          </p:nvPr>
+        </p:nvGraphicFramePr>
+        <p:xfrm>
+          <a:off x="779477" y="2901144"/>
+          <a:ext cx="10515600" cy="1672950"/>
+        </p:xfrm>
+        <a:graphic>
+          <a:graphicData uri="http://schemas.openxmlformats.org/drawingml/2006/table">
+            <a:tbl>
+              <a:tblPr firstRow="1" bandRow="1">
+                <a:tableStyleId>{5C22544A-7EE6-4342-B048-85BDC9FD1C3A}</a:tableStyleId>
+              </a:tblPr>
+              <a:tblGrid>
+                <a:gridCol w="1388165">
+                  <a:extLst>
+                    <a:ext uri="{9D8B030D-6E8A-4147-A177-3AD203B41FA5}">
+                      <a16:colId xmlns:a16="http://schemas.microsoft.com/office/drawing/2014/main" val="3672806784"/>
+                    </a:ext>
+                  </a:extLst>
+                </a:gridCol>
+                <a:gridCol w="9127435">
+                  <a:extLst>
+                    <a:ext uri="{9D8B030D-6E8A-4147-A177-3AD203B41FA5}">
+                      <a16:colId xmlns:a16="http://schemas.microsoft.com/office/drawing/2014/main" val="3224140378"/>
+                    </a:ext>
+                  </a:extLst>
+                </a:gridCol>
+              </a:tblGrid>
+              <a:tr h="557650">
+                <a:tc>
+                  <a:txBody>
+                    <a:bodyPr/>
+                    <a:lstStyle/>
+                    <a:p>
+                      <a:r>
+                        <a:rPr lang="en-US" altLang="zh-TW" dirty="0"/>
+                        <a:t>Input</a:t>
+                      </a:r>
+                      <a:endParaRPr lang="zh-TW" altLang="en-US" dirty="0"/>
+                    </a:p>
+                  </a:txBody>
+                  <a:tcPr/>
+                </a:tc>
+                <a:tc>
+                  <a:txBody>
+                    <a:bodyPr/>
+                    <a:lstStyle/>
+                    <a:p>
+                      <a:r>
+                        <a:rPr lang="en-US" altLang="zh-TW" dirty="0" err="1"/>
+                        <a:t>gray_image</a:t>
+                      </a:r>
+                      <a:r>
+                        <a:rPr lang="en-US" altLang="zh-TW" dirty="0"/>
+                        <a:t>(</a:t>
+                      </a:r>
+                      <a:r>
+                        <a:rPr lang="zh-TW" altLang="en-US" dirty="0"/>
+                        <a:t>原始圖片</a:t>
+                      </a:r>
+                      <a:r>
+                        <a:rPr lang="en-US" altLang="zh-TW" dirty="0"/>
+                        <a:t>)</a:t>
+                      </a:r>
+                      <a:endParaRPr lang="zh-TW" altLang="en-US" dirty="0"/>
+                    </a:p>
+                  </a:txBody>
+                  <a:tcPr/>
+                </a:tc>
+                <a:extLst>
+                  <a:ext uri="{0D108BD9-81ED-4DB2-BD59-A6C34878D82A}">
+                    <a16:rowId xmlns:a16="http://schemas.microsoft.com/office/drawing/2014/main" val="3197674006"/>
+                  </a:ext>
+                </a:extLst>
+              </a:tr>
+              <a:tr h="557650">
+                <a:tc>
+                  <a:txBody>
+                    <a:bodyPr/>
+                    <a:lstStyle/>
+                    <a:p>
+                      <a:r>
+                        <a:rPr lang="en-US" altLang="zh-TW" dirty="0"/>
+                        <a:t>Output</a:t>
+                      </a:r>
+                      <a:endParaRPr lang="zh-TW" altLang="en-US" dirty="0"/>
+                    </a:p>
+                  </a:txBody>
+                  <a:tcPr/>
+                </a:tc>
+                <a:tc>
+                  <a:txBody>
+                    <a:bodyPr/>
+                    <a:lstStyle/>
+                    <a:p>
+                      <a:r>
+                        <a:rPr lang="en-US" altLang="zh-TW" dirty="0" err="1"/>
+                        <a:t>Sobel_Gray_Image</a:t>
+                      </a:r>
+                      <a:r>
+                        <a:rPr lang="en-US" altLang="zh-TW" dirty="0"/>
+                        <a:t>(</a:t>
+                      </a:r>
+                      <a:r>
+                        <a:rPr lang="zh-TW" altLang="en-US" dirty="0"/>
+                        <a:t>灰階圖片</a:t>
+                      </a:r>
+                      <a:r>
+                        <a:rPr lang="en-US" altLang="zh-TW" dirty="0"/>
+                        <a:t>) </a:t>
+                      </a:r>
+                      <a:r>
+                        <a:rPr lang="zh-TW" altLang="en-US" dirty="0"/>
+                        <a:t>　</a:t>
+                      </a:r>
+                    </a:p>
+                  </a:txBody>
+                  <a:tcPr/>
+                </a:tc>
+                <a:extLst>
+                  <a:ext uri="{0D108BD9-81ED-4DB2-BD59-A6C34878D82A}">
+                    <a16:rowId xmlns:a16="http://schemas.microsoft.com/office/drawing/2014/main" val="159595901"/>
+                  </a:ext>
+                </a:extLst>
+              </a:tr>
+              <a:tr h="557650">
+                <a:tc>
+                  <a:txBody>
+                    <a:bodyPr/>
+                    <a:lstStyle/>
+                    <a:p>
+                      <a:r>
+                        <a:rPr lang="en-US" altLang="zh-TW" dirty="0"/>
+                        <a:t>Function</a:t>
+                      </a:r>
+                      <a:endParaRPr lang="zh-TW" altLang="en-US" dirty="0"/>
+                    </a:p>
+                  </a:txBody>
+                  <a:tcPr/>
+                </a:tc>
+                <a:tc>
+                  <a:txBody>
+                    <a:bodyPr/>
+                    <a:lstStyle/>
+                    <a:p>
+                      <a:r>
+                        <a:rPr lang="en-US" altLang="zh-TW" dirty="0" err="1"/>
+                        <a:t>load_and_prepare_image</a:t>
+                      </a:r>
+                      <a:r>
+                        <a:rPr lang="en-US" altLang="zh-TW" dirty="0"/>
+                        <a:t>(</a:t>
+                      </a:r>
+                      <a:r>
+                        <a:rPr lang="en-US" altLang="zh-TW" dirty="0" err="1"/>
+                        <a:t>image_path</a:t>
+                      </a:r>
+                      <a:r>
+                        <a:rPr lang="en-US" altLang="zh-TW" dirty="0"/>
+                        <a:t>)</a:t>
+                      </a:r>
+                      <a:endParaRPr lang="zh-TW" altLang="en-US" dirty="0"/>
+                    </a:p>
+                  </a:txBody>
+                  <a:tcPr/>
+                </a:tc>
+                <a:extLst>
+                  <a:ext uri="{0D108BD9-81ED-4DB2-BD59-A6C34878D82A}">
+                    <a16:rowId xmlns:a16="http://schemas.microsoft.com/office/drawing/2014/main" val="1352399962"/>
+                  </a:ext>
+                </a:extLst>
+              </a:tr>
+            </a:tbl>
+          </a:graphicData>
+        </a:graphic>
+      </p:graphicFrame>
+    </p:spTree>
+    <p:extLst>
+      <p:ext uri="{BB962C8B-B14F-4D97-AF65-F5344CB8AC3E}">
+        <p14:creationId xmlns:p14="http://schemas.microsoft.com/office/powerpoint/2010/main" val="3161543552"/>
+      </p:ext>
+    </p:extLst>
+  </p:cSld>
+  <p:clrMapOvr>
+    <a:masterClrMapping/>
+  </p:clrMapOvr>
+</p:sld>
+</file>
+
+<file path=ppt/slides/slide5.xml><?xml version="1.0" encoding="utf-8"?>
+<p:sld xmlns:a="http://schemas.openxmlformats.org/drawingml/2006/main" xmlns:r="http://schemas.openxmlformats.org/officeDocument/2006/relationships" xmlns:p="http://schemas.openxmlformats.org/presentationml/2006/main">
+  <p:cSld>
+    <p:spTree>
+      <p:nvGrpSpPr>
+        <p:cNvPr id="1" name=""/>
+        <p:cNvGrpSpPr/>
+        <p:nvPr/>
+      </p:nvGrpSpPr>
+      <p:grpSpPr>
+        <a:xfrm>
+          <a:off x="0" y="0"/>
+          <a:ext cx="0" cy="0"/>
+          <a:chOff x="0" y="0"/>
+          <a:chExt cx="0" cy="0"/>
+        </a:xfrm>
+      </p:grpSpPr>
+      <p:sp>
+        <p:nvSpPr>
+          <p:cNvPr id="2" name="標題 1">
+            <a:extLst>
+              <a:ext uri="{FF2B5EF4-FFF2-40B4-BE49-F238E27FC236}">
+                <a16:creationId xmlns:a16="http://schemas.microsoft.com/office/drawing/2014/main" id="{38CC904B-7C99-4AA4-92C4-A1E16F6194A0}"/>
+              </a:ext>
+            </a:extLst>
+          </p:cNvPr>
+          <p:cNvSpPr>
+            <a:spLocks noGrp="1"/>
+          </p:cNvSpPr>
+          <p:nvPr>
+            <p:ph type="title"/>
+          </p:nvPr>
+        </p:nvSpPr>
+        <p:spPr>
+          <a:xfrm>
+            <a:off x="779477" y="497729"/>
+            <a:ext cx="10515600" cy="733833"/>
+          </a:xfrm>
+        </p:spPr>
+        <p:txBody>
+          <a:bodyPr>
+            <a:normAutofit/>
+          </a:bodyPr>
+          <a:lstStyle/>
+          <a:p>
+            <a:r>
+              <a:rPr lang="en-US" altLang="zh-TW" sz="3200" dirty="0"/>
+              <a:t>API</a:t>
+            </a:r>
+            <a:r>
+              <a:rPr lang="zh-TW" altLang="en-US" sz="3200" dirty="0"/>
+              <a:t> </a:t>
+            </a:r>
+            <a:r>
+              <a:rPr lang="en-US" altLang="zh-TW" sz="3200" dirty="0"/>
+              <a:t>LBP</a:t>
+            </a:r>
+            <a:endParaRPr lang="zh-TW" altLang="en-US" sz="3200" dirty="0"/>
+          </a:p>
+        </p:txBody>
+      </p:sp>
+      <p:graphicFrame>
+        <p:nvGraphicFramePr>
+          <p:cNvPr id="5" name="內容版面配置區 3">
+            <a:extLst>
+              <a:ext uri="{FF2B5EF4-FFF2-40B4-BE49-F238E27FC236}">
+                <a16:creationId xmlns:a16="http://schemas.microsoft.com/office/drawing/2014/main" id="{BBC5F671-53E3-4A0A-ABDD-7262F8A1580A}"/>
+              </a:ext>
+            </a:extLst>
+          </p:cNvPr>
+          <p:cNvGraphicFramePr>
+            <a:graphicFrameLocks/>
+          </p:cNvGraphicFramePr>
+          <p:nvPr>
+            <p:extLst>
+              <p:ext uri="{D42A27DB-BD31-4B8C-83A1-F6EECF244321}">
+                <p14:modId xmlns:p14="http://schemas.microsoft.com/office/powerpoint/2010/main" val="2182913439"/>
+              </p:ext>
+            </p:extLst>
+          </p:nvPr>
+        </p:nvGraphicFramePr>
+        <p:xfrm>
+          <a:off x="779477" y="2901144"/>
+          <a:ext cx="10515600" cy="1672950"/>
+        </p:xfrm>
+        <a:graphic>
+          <a:graphicData uri="http://schemas.openxmlformats.org/drawingml/2006/table">
+            <a:tbl>
+              <a:tblPr firstRow="1" bandRow="1">
+                <a:tableStyleId>{5C22544A-7EE6-4342-B048-85BDC9FD1C3A}</a:tableStyleId>
+              </a:tblPr>
+              <a:tblGrid>
+                <a:gridCol w="1388165">
+                  <a:extLst>
+                    <a:ext uri="{9D8B030D-6E8A-4147-A177-3AD203B41FA5}">
+                      <a16:colId xmlns:a16="http://schemas.microsoft.com/office/drawing/2014/main" val="3672806784"/>
+                    </a:ext>
+                  </a:extLst>
+                </a:gridCol>
+                <a:gridCol w="9127435">
+                  <a:extLst>
+                    <a:ext uri="{9D8B030D-6E8A-4147-A177-3AD203B41FA5}">
+                      <a16:colId xmlns:a16="http://schemas.microsoft.com/office/drawing/2014/main" val="3224140378"/>
+                    </a:ext>
+                  </a:extLst>
+                </a:gridCol>
+              </a:tblGrid>
+              <a:tr h="557650">
+                <a:tc>
+                  <a:txBody>
+                    <a:bodyPr/>
+                    <a:lstStyle/>
+                    <a:p>
+                      <a:r>
+                        <a:rPr lang="en-US" altLang="zh-TW" dirty="0"/>
+                        <a:t>Input</a:t>
+                      </a:r>
+                      <a:endParaRPr lang="zh-TW" altLang="en-US" dirty="0"/>
+                    </a:p>
+                  </a:txBody>
+                  <a:tcPr/>
+                </a:tc>
+                <a:tc>
+                  <a:txBody>
+                    <a:bodyPr/>
+                    <a:lstStyle/>
+                    <a:p>
+                      <a:r>
+                        <a:rPr lang="en-US" altLang="zh-TW" dirty="0" err="1"/>
+                        <a:t>Sobel_Gray_Image</a:t>
+                      </a:r>
+                      <a:r>
+                        <a:rPr lang="en-US" altLang="zh-TW" dirty="0"/>
+                        <a:t>(</a:t>
+                      </a:r>
+                      <a:r>
+                        <a:rPr lang="zh-TW" altLang="en-US" dirty="0"/>
+                        <a:t>原始圖片</a:t>
+                      </a:r>
+                      <a:r>
+                        <a:rPr lang="en-US" altLang="zh-TW" dirty="0"/>
+                        <a:t>)</a:t>
+                      </a:r>
+                      <a:endParaRPr lang="zh-TW" altLang="en-US" dirty="0"/>
+                    </a:p>
+                  </a:txBody>
+                  <a:tcPr/>
+                </a:tc>
+                <a:extLst>
+                  <a:ext uri="{0D108BD9-81ED-4DB2-BD59-A6C34878D82A}">
+                    <a16:rowId xmlns:a16="http://schemas.microsoft.com/office/drawing/2014/main" val="3197674006"/>
+                  </a:ext>
+                </a:extLst>
+              </a:tr>
+              <a:tr h="557650">
+                <a:tc>
+                  <a:txBody>
+                    <a:bodyPr/>
+                    <a:lstStyle/>
+                    <a:p>
+                      <a:r>
+                        <a:rPr lang="en-US" altLang="zh-TW" dirty="0"/>
+                        <a:t>Output</a:t>
+                      </a:r>
+                      <a:endParaRPr lang="zh-TW" altLang="en-US" dirty="0"/>
+                    </a:p>
+                  </a:txBody>
+                  <a:tcPr/>
+                </a:tc>
+                <a:tc>
+                  <a:txBody>
+                    <a:bodyPr/>
+                    <a:lstStyle/>
+                    <a:p>
+                      <a:r>
+                        <a:rPr lang="en-US" altLang="zh-TW" dirty="0" err="1"/>
+                        <a:t>lbp_feature</a:t>
+                      </a:r>
+                      <a:r>
+                        <a:rPr lang="en-US" altLang="zh-TW" dirty="0"/>
+                        <a:t> (</a:t>
+                      </a:r>
+                      <a:r>
+                        <a:rPr lang="en-US" altLang="zh-TW" i="1" dirty="0"/>
+                        <a:t>array</a:t>
+                      </a:r>
+                      <a:r>
+                        <a:rPr lang="en-US" altLang="zh-TW" dirty="0"/>
+                        <a:t>)(LBP </a:t>
+                      </a:r>
+                      <a:r>
+                        <a:rPr lang="zh-TW" altLang="en-US" dirty="0"/>
+                        <a:t>特徵直方圖</a:t>
+                      </a:r>
+                      <a:r>
+                        <a:rPr lang="en-US" altLang="zh-TW" dirty="0"/>
+                        <a:t>) </a:t>
+                      </a:r>
+                      <a:r>
+                        <a:rPr lang="zh-TW" altLang="en-US" dirty="0"/>
+                        <a:t>　</a:t>
+                      </a:r>
+                    </a:p>
+                  </a:txBody>
+                  <a:tcPr/>
+                </a:tc>
+                <a:extLst>
+                  <a:ext uri="{0D108BD9-81ED-4DB2-BD59-A6C34878D82A}">
+                    <a16:rowId xmlns:a16="http://schemas.microsoft.com/office/drawing/2014/main" val="159595901"/>
+                  </a:ext>
+                </a:extLst>
+              </a:tr>
+              <a:tr h="557650">
+                <a:tc>
+                  <a:txBody>
+                    <a:bodyPr/>
+                    <a:lstStyle/>
+                    <a:p>
+                      <a:r>
+                        <a:rPr lang="en-US" altLang="zh-TW" dirty="0"/>
+                        <a:t>Function</a:t>
+                      </a:r>
+                      <a:endParaRPr lang="zh-TW" altLang="en-US" dirty="0"/>
+                    </a:p>
+                  </a:txBody>
+                  <a:tcPr/>
+                </a:tc>
+                <a:tc>
+                  <a:txBody>
+                    <a:bodyPr/>
+                    <a:lstStyle/>
+                    <a:p>
+                      <a:r>
+                        <a:rPr lang="en-US" altLang="zh-TW" dirty="0" err="1"/>
+                        <a:t>load_and_prepare_image</a:t>
+                      </a:r>
+                      <a:r>
+                        <a:rPr lang="en-US" altLang="zh-TW" dirty="0"/>
+                        <a:t>(</a:t>
+                      </a:r>
+                      <a:r>
+                        <a:rPr lang="en-US" altLang="zh-TW" dirty="0" err="1"/>
+                        <a:t>image_path</a:t>
+                      </a:r>
+                      <a:r>
+                        <a:rPr lang="en-US" altLang="zh-TW" dirty="0"/>
+                        <a:t>)</a:t>
+                      </a:r>
+                      <a:endParaRPr lang="zh-TW" altLang="en-US" dirty="0"/>
+                    </a:p>
+                  </a:txBody>
+                  <a:tcPr/>
+                </a:tc>
+                <a:extLst>
+                  <a:ext uri="{0D108BD9-81ED-4DB2-BD59-A6C34878D82A}">
+                    <a16:rowId xmlns:a16="http://schemas.microsoft.com/office/drawing/2014/main" val="1352399962"/>
+                  </a:ext>
+                </a:extLst>
+              </a:tr>
+            </a:tbl>
+          </a:graphicData>
+        </a:graphic>
+      </p:graphicFrame>
+    </p:spTree>
+    <p:extLst>
+      <p:ext uri="{BB962C8B-B14F-4D97-AF65-F5344CB8AC3E}">
+        <p14:creationId xmlns:p14="http://schemas.microsoft.com/office/powerpoint/2010/main" val="1965348936"/>
+      </p:ext>
+    </p:extLst>
+  </p:cSld>
+  <p:clrMapOvr>
+    <a:masterClrMapping/>
+  </p:clrMapOvr>
+</p:sld>
+</file>
+
+<file path=ppt/slides/slide6.xml><?xml version="1.0" encoding="utf-8"?>
+<p:sld xmlns:a="http://schemas.openxmlformats.org/drawingml/2006/main" xmlns:r="http://schemas.openxmlformats.org/officeDocument/2006/relationships" xmlns:p="http://schemas.openxmlformats.org/presentationml/2006/main">
+  <p:cSld>
+    <p:spTree>
+      <p:nvGrpSpPr>
+        <p:cNvPr id="1" name=""/>
+        <p:cNvGrpSpPr/>
+        <p:nvPr/>
+      </p:nvGrpSpPr>
+      <p:grpSpPr>
+        <a:xfrm>
+          <a:off x="0" y="0"/>
+          <a:ext cx="0" cy="0"/>
+          <a:chOff x="0" y="0"/>
+          <a:chExt cx="0" cy="0"/>
+        </a:xfrm>
+      </p:grpSpPr>
+      <p:sp>
+        <p:nvSpPr>
+          <p:cNvPr id="2" name="標題 1">
+            <a:extLst>
+              <a:ext uri="{FF2B5EF4-FFF2-40B4-BE49-F238E27FC236}">
+                <a16:creationId xmlns:a16="http://schemas.microsoft.com/office/drawing/2014/main" id="{38CC904B-7C99-4AA4-92C4-A1E16F6194A0}"/>
+              </a:ext>
+            </a:extLst>
+          </p:cNvPr>
+          <p:cNvSpPr>
+            <a:spLocks noGrp="1"/>
+          </p:cNvSpPr>
+          <p:nvPr>
+            <p:ph type="title"/>
+          </p:nvPr>
+        </p:nvSpPr>
+        <p:spPr>
+          <a:xfrm>
+            <a:off x="779477" y="497729"/>
+            <a:ext cx="10515600" cy="733833"/>
+          </a:xfrm>
+        </p:spPr>
+        <p:txBody>
+          <a:bodyPr>
+            <a:normAutofit/>
+          </a:bodyPr>
+          <a:lstStyle/>
+          <a:p>
+            <a:r>
+              <a:rPr lang="en-US" altLang="zh-TW" sz="3200" dirty="0"/>
+              <a:t>API</a:t>
+            </a:r>
+            <a:r>
+              <a:rPr lang="zh-TW" altLang="en-US" sz="3200" dirty="0"/>
+              <a:t> </a:t>
+            </a:r>
+            <a:r>
+              <a:rPr lang="en-US" altLang="zh-TW" sz="3200" dirty="0"/>
+              <a:t>Compare LBP</a:t>
+            </a:r>
+            <a:endParaRPr lang="zh-TW" altLang="en-US" sz="3200" dirty="0"/>
+          </a:p>
+        </p:txBody>
+      </p:sp>
+      <p:graphicFrame>
+        <p:nvGraphicFramePr>
+          <p:cNvPr id="5" name="內容版面配置區 3">
+            <a:extLst>
+              <a:ext uri="{FF2B5EF4-FFF2-40B4-BE49-F238E27FC236}">
+                <a16:creationId xmlns:a16="http://schemas.microsoft.com/office/drawing/2014/main" id="{BBC5F671-53E3-4A0A-ABDD-7262F8A1580A}"/>
+              </a:ext>
+            </a:extLst>
+          </p:cNvPr>
+          <p:cNvGraphicFramePr>
+            <a:graphicFrameLocks/>
+          </p:cNvGraphicFramePr>
+          <p:nvPr>
+            <p:extLst>
+              <p:ext uri="{D42A27DB-BD31-4B8C-83A1-F6EECF244321}">
+                <p14:modId xmlns:p14="http://schemas.microsoft.com/office/powerpoint/2010/main" val="14544497"/>
+              </p:ext>
+            </p:extLst>
+          </p:nvPr>
+        </p:nvGraphicFramePr>
+        <p:xfrm>
+          <a:off x="779477" y="2901144"/>
+          <a:ext cx="10515600" cy="1672950"/>
+        </p:xfrm>
+        <a:graphic>
+          <a:graphicData uri="http://schemas.openxmlformats.org/drawingml/2006/table">
+            <a:tbl>
+              <a:tblPr firstRow="1" bandRow="1">
+                <a:tableStyleId>{5C22544A-7EE6-4342-B048-85BDC9FD1C3A}</a:tableStyleId>
+              </a:tblPr>
+              <a:tblGrid>
+                <a:gridCol w="1388165">
+                  <a:extLst>
+                    <a:ext uri="{9D8B030D-6E8A-4147-A177-3AD203B41FA5}">
+                      <a16:colId xmlns:a16="http://schemas.microsoft.com/office/drawing/2014/main" val="3672806784"/>
+                    </a:ext>
+                  </a:extLst>
+                </a:gridCol>
+                <a:gridCol w="9127435">
+                  <a:extLst>
+                    <a:ext uri="{9D8B030D-6E8A-4147-A177-3AD203B41FA5}">
+                      <a16:colId xmlns:a16="http://schemas.microsoft.com/office/drawing/2014/main" val="3224140378"/>
+                    </a:ext>
+                  </a:extLst>
+                </a:gridCol>
+              </a:tblGrid>
+              <a:tr h="557650">
+                <a:tc>
+                  <a:txBody>
+                    <a:bodyPr/>
+                    <a:lstStyle/>
+                    <a:p>
+                      <a:r>
+                        <a:rPr lang="en-US" altLang="zh-TW" dirty="0"/>
+                        <a:t>Input</a:t>
+                      </a:r>
+                      <a:endParaRPr lang="zh-TW" altLang="en-US" dirty="0"/>
+                    </a:p>
+                  </a:txBody>
+                  <a:tcPr/>
+                </a:tc>
+                <a:tc>
+                  <a:txBody>
+                    <a:bodyPr/>
+                    <a:lstStyle/>
+                    <a:p>
+                      <a:r>
+                        <a:rPr lang="en-US" altLang="zh-TW" dirty="0" err="1"/>
+                        <a:t>lbp_feature</a:t>
+                      </a:r>
+                      <a:r>
+                        <a:rPr lang="en-US" altLang="zh-TW" dirty="0"/>
+                        <a:t> (</a:t>
+                      </a:r>
+                      <a:r>
+                        <a:rPr lang="en-US" altLang="zh-TW" i="1" dirty="0"/>
+                        <a:t>array</a:t>
+                      </a:r>
+                      <a:r>
+                        <a:rPr lang="en-US" altLang="zh-TW" dirty="0"/>
+                        <a:t>)(LBP </a:t>
+                      </a:r>
+                      <a:r>
+                        <a:rPr lang="zh-TW" altLang="en-US" dirty="0"/>
+                        <a:t>特徵直方圖</a:t>
+                      </a:r>
+                      <a:r>
+                        <a:rPr lang="en-US" altLang="zh-TW" dirty="0"/>
+                        <a:t>) </a:t>
+                      </a:r>
+                      <a:endParaRPr lang="zh-TW" altLang="en-US" dirty="0"/>
+                    </a:p>
+                  </a:txBody>
+                  <a:tcPr/>
+                </a:tc>
+                <a:extLst>
+                  <a:ext uri="{0D108BD9-81ED-4DB2-BD59-A6C34878D82A}">
+                    <a16:rowId xmlns:a16="http://schemas.microsoft.com/office/drawing/2014/main" val="3197674006"/>
+                  </a:ext>
+                </a:extLst>
+              </a:tr>
+              <a:tr h="557650">
+                <a:tc>
+                  <a:txBody>
+                    <a:bodyPr/>
+                    <a:lstStyle/>
+                    <a:p>
+                      <a:r>
+                        <a:rPr lang="en-US" altLang="zh-TW" dirty="0"/>
+                        <a:t>Output</a:t>
+                      </a:r>
+                      <a:endParaRPr lang="zh-TW" altLang="en-US" dirty="0"/>
+                    </a:p>
+                  </a:txBody>
+                  <a:tcPr/>
+                </a:tc>
+                <a:tc>
+                  <a:txBody>
+                    <a:bodyPr/>
+                    <a:lstStyle/>
+                    <a:p>
+                      <a:r>
+                        <a:rPr lang="en-US" altLang="zh-TW" dirty="0"/>
+                        <a:t>mask(</a:t>
+                      </a:r>
+                      <a:r>
+                        <a:rPr lang="en-US" altLang="zh-TW" i="1" dirty="0"/>
+                        <a:t>array</a:t>
+                      </a:r>
+                      <a:r>
+                        <a:rPr lang="en-US" altLang="zh-TW" dirty="0"/>
+                        <a:t>)(</a:t>
+                      </a:r>
+                      <a:r>
+                        <a:rPr lang="zh-TW" altLang="en-US" dirty="0"/>
+                        <a:t>圖片區域標記</a:t>
+                      </a:r>
+                      <a:r>
+                        <a:rPr lang="en-US" altLang="zh-TW" dirty="0"/>
+                        <a:t>) </a:t>
+                      </a:r>
+                      <a:r>
+                        <a:rPr lang="zh-TW" altLang="en-US" dirty="0"/>
+                        <a:t>　</a:t>
+                      </a:r>
+                    </a:p>
+                  </a:txBody>
+                  <a:tcPr/>
+                </a:tc>
+                <a:extLst>
+                  <a:ext uri="{0D108BD9-81ED-4DB2-BD59-A6C34878D82A}">
+                    <a16:rowId xmlns:a16="http://schemas.microsoft.com/office/drawing/2014/main" val="159595901"/>
+                  </a:ext>
+                </a:extLst>
+              </a:tr>
+              <a:tr h="557650">
+                <a:tc>
+                  <a:txBody>
+                    <a:bodyPr/>
+                    <a:lstStyle/>
+                    <a:p>
+                      <a:r>
+                        <a:rPr lang="en-US" altLang="zh-TW" dirty="0"/>
+                        <a:t>Function</a:t>
+                      </a:r>
+                      <a:endParaRPr lang="zh-TW" altLang="en-US" dirty="0"/>
+                    </a:p>
+                  </a:txBody>
+                  <a:tcPr/>
+                </a:tc>
+                <a:tc>
+                  <a:txBody>
+                    <a:bodyPr/>
+                    <a:lstStyle/>
+                    <a:p>
+                      <a:r>
+                        <a:rPr lang="en-US" altLang="zh-TW" dirty="0" err="1"/>
+                        <a:t>compare_lbp_features</a:t>
+                      </a:r>
+                      <a:endParaRPr lang="zh-TW" altLang="en-US" dirty="0"/>
+                    </a:p>
+                  </a:txBody>
+                  <a:tcPr/>
+                </a:tc>
+                <a:extLst>
+                  <a:ext uri="{0D108BD9-81ED-4DB2-BD59-A6C34878D82A}">
+                    <a16:rowId xmlns:a16="http://schemas.microsoft.com/office/drawing/2014/main" val="1352399962"/>
+                  </a:ext>
+                </a:extLst>
+              </a:tr>
+            </a:tbl>
+          </a:graphicData>
+        </a:graphic>
+      </p:graphicFrame>
+    </p:spTree>
+    <p:extLst>
+      <p:ext uri="{BB962C8B-B14F-4D97-AF65-F5344CB8AC3E}">
+        <p14:creationId xmlns:p14="http://schemas.microsoft.com/office/powerpoint/2010/main" val="528328481"/>
+      </p:ext>
+    </p:extLst>
+  </p:cSld>
+  <p:clrMapOvr>
+    <a:masterClrMapping/>
+  </p:clrMapOvr>
+</p:sld>
+</file>
+
+<file path=ppt/slides/slide7.xml><?xml version="1.0" encoding="utf-8"?>
+<p:sld xmlns:a="http://schemas.openxmlformats.org/drawingml/2006/main" xmlns:r="http://schemas.openxmlformats.org/officeDocument/2006/relationships" xmlns:p="http://schemas.openxmlformats.org/presentationml/2006/main">
+  <p:cSld>
+    <p:spTree>
+      <p:nvGrpSpPr>
+        <p:cNvPr id="1" name=""/>
+        <p:cNvGrpSpPr/>
+        <p:nvPr/>
+      </p:nvGrpSpPr>
+      <p:grpSpPr>
+        <a:xfrm>
+          <a:off x="0" y="0"/>
+          <a:ext cx="0" cy="0"/>
+          <a:chOff x="0" y="0"/>
+          <a:chExt cx="0" cy="0"/>
+        </a:xfrm>
+      </p:grpSpPr>
+      <p:sp>
+        <p:nvSpPr>
+          <p:cNvPr id="2" name="標題 1">
+            <a:extLst>
+              <a:ext uri="{FF2B5EF4-FFF2-40B4-BE49-F238E27FC236}">
+                <a16:creationId xmlns:a16="http://schemas.microsoft.com/office/drawing/2014/main" id="{38CC904B-7C99-4AA4-92C4-A1E16F6194A0}"/>
+              </a:ext>
+            </a:extLst>
+          </p:cNvPr>
+          <p:cNvSpPr>
+            <a:spLocks noGrp="1"/>
+          </p:cNvSpPr>
+          <p:nvPr>
+            <p:ph type="title"/>
+          </p:nvPr>
+        </p:nvSpPr>
+        <p:spPr>
+          <a:xfrm>
+            <a:off x="779477" y="497729"/>
+            <a:ext cx="10515600" cy="733833"/>
+          </a:xfrm>
+        </p:spPr>
+        <p:txBody>
+          <a:bodyPr>
+            <a:normAutofit/>
+          </a:bodyPr>
+          <a:lstStyle/>
+          <a:p>
+            <a:r>
+              <a:rPr lang="en-US" altLang="zh-TW" sz="3200" dirty="0"/>
+              <a:t>API Draw</a:t>
+            </a:r>
+            <a:endParaRPr lang="zh-TW" altLang="en-US" sz="3200" dirty="0"/>
+          </a:p>
+        </p:txBody>
+      </p:sp>
+      <p:graphicFrame>
+        <p:nvGraphicFramePr>
+          <p:cNvPr id="5" name="內容版面配置區 3">
+            <a:extLst>
+              <a:ext uri="{FF2B5EF4-FFF2-40B4-BE49-F238E27FC236}">
+                <a16:creationId xmlns:a16="http://schemas.microsoft.com/office/drawing/2014/main" id="{BBC5F671-53E3-4A0A-ABDD-7262F8A1580A}"/>
+              </a:ext>
+            </a:extLst>
+          </p:cNvPr>
+          <p:cNvGraphicFramePr>
+            <a:graphicFrameLocks/>
+          </p:cNvGraphicFramePr>
+          <p:nvPr>
+            <p:extLst>
+              <p:ext uri="{D42A27DB-BD31-4B8C-83A1-F6EECF244321}">
+                <p14:modId xmlns:p14="http://schemas.microsoft.com/office/powerpoint/2010/main" val="3038315244"/>
+              </p:ext>
+            </p:extLst>
+          </p:nvPr>
+        </p:nvGraphicFramePr>
+        <p:xfrm>
+          <a:off x="779477" y="2901144"/>
+          <a:ext cx="10515600" cy="1672950"/>
+        </p:xfrm>
+        <a:graphic>
+          <a:graphicData uri="http://schemas.openxmlformats.org/drawingml/2006/table">
+            <a:tbl>
+              <a:tblPr firstRow="1" bandRow="1">
+                <a:tableStyleId>{5C22544A-7EE6-4342-B048-85BDC9FD1C3A}</a:tableStyleId>
+              </a:tblPr>
+              <a:tblGrid>
+                <a:gridCol w="1388165">
+                  <a:extLst>
+                    <a:ext uri="{9D8B030D-6E8A-4147-A177-3AD203B41FA5}">
+                      <a16:colId xmlns:a16="http://schemas.microsoft.com/office/drawing/2014/main" val="3672806784"/>
+                    </a:ext>
+                  </a:extLst>
+                </a:gridCol>
+                <a:gridCol w="9127435">
+                  <a:extLst>
+                    <a:ext uri="{9D8B030D-6E8A-4147-A177-3AD203B41FA5}">
+                      <a16:colId xmlns:a16="http://schemas.microsoft.com/office/drawing/2014/main" val="3224140378"/>
+                    </a:ext>
+                  </a:extLst>
+                </a:gridCol>
+              </a:tblGrid>
+              <a:tr h="557650">
+                <a:tc>
+                  <a:txBody>
+                    <a:bodyPr/>
+                    <a:lstStyle/>
+                    <a:p>
+                      <a:r>
+                        <a:rPr lang="en-US" altLang="zh-TW" dirty="0"/>
+                        <a:t>Input</a:t>
+                      </a:r>
+                      <a:endParaRPr lang="zh-TW" altLang="en-US" dirty="0"/>
+                    </a:p>
+                  </a:txBody>
+                  <a:tcPr/>
+                </a:tc>
+                <a:tc>
+                  <a:txBody>
+                    <a:bodyPr/>
+                    <a:lstStyle/>
+                    <a:p>
+                      <a:r>
+                        <a:rPr lang="en-US" altLang="zh-TW" dirty="0" err="1"/>
+                        <a:t>Sobel_Gray_Image</a:t>
+                      </a:r>
+                      <a:r>
+                        <a:rPr lang="en-US" altLang="zh-TW" dirty="0"/>
+                        <a:t>      markers</a:t>
+                      </a:r>
+                      <a:endParaRPr lang="zh-TW" altLang="en-US" dirty="0"/>
+                    </a:p>
+                  </a:txBody>
+                  <a:tcPr/>
+                </a:tc>
+                <a:extLst>
+                  <a:ext uri="{0D108BD9-81ED-4DB2-BD59-A6C34878D82A}">
+                    <a16:rowId xmlns:a16="http://schemas.microsoft.com/office/drawing/2014/main" val="3197674006"/>
+                  </a:ext>
+                </a:extLst>
+              </a:tr>
+              <a:tr h="557650">
+                <a:tc>
+                  <a:txBody>
+                    <a:bodyPr/>
+                    <a:lstStyle/>
+                    <a:p>
+                      <a:r>
+                        <a:rPr lang="en-US" altLang="zh-TW" dirty="0"/>
+                        <a:t>Output</a:t>
+                      </a:r>
+                      <a:endParaRPr lang="zh-TW" altLang="en-US" dirty="0"/>
+                    </a:p>
+                  </a:txBody>
+                  <a:tcPr/>
+                </a:tc>
+                <a:tc>
+                  <a:txBody>
+                    <a:bodyPr/>
+                    <a:lstStyle/>
+                    <a:p>
+                      <a:r>
+                        <a:rPr lang="en-US" altLang="zh-TW" dirty="0" err="1"/>
+                        <a:t>Image_DRAW</a:t>
+                      </a:r>
+                      <a:r>
+                        <a:rPr lang="zh-TW" altLang="en-US" dirty="0"/>
+                        <a:t>　</a:t>
+                      </a:r>
+                    </a:p>
+                  </a:txBody>
+                  <a:tcPr/>
+                </a:tc>
+                <a:extLst>
+                  <a:ext uri="{0D108BD9-81ED-4DB2-BD59-A6C34878D82A}">
+                    <a16:rowId xmlns:a16="http://schemas.microsoft.com/office/drawing/2014/main" val="159595901"/>
+                  </a:ext>
+                </a:extLst>
+              </a:tr>
+              <a:tr h="557650">
+                <a:tc>
+                  <a:txBody>
+                    <a:bodyPr/>
+                    <a:lstStyle/>
+                    <a:p>
+                      <a:r>
+                        <a:rPr lang="en-US" altLang="zh-TW" dirty="0"/>
+                        <a:t>Function</a:t>
+                      </a:r>
+                      <a:endParaRPr lang="zh-TW" altLang="en-US" dirty="0"/>
+                    </a:p>
+                  </a:txBody>
+                  <a:tcPr/>
+                </a:tc>
+                <a:tc>
+                  <a:txBody>
+                    <a:bodyPr/>
+                    <a:lstStyle/>
+                    <a:p>
+                      <a:endParaRPr lang="zh-TW" altLang="en-US" dirty="0"/>
+                    </a:p>
+                  </a:txBody>
+                  <a:tcPr/>
+                </a:tc>
+                <a:extLst>
+                  <a:ext uri="{0D108BD9-81ED-4DB2-BD59-A6C34878D82A}">
+                    <a16:rowId xmlns:a16="http://schemas.microsoft.com/office/drawing/2014/main" val="1352399962"/>
+                  </a:ext>
+                </a:extLst>
+              </a:tr>
+            </a:tbl>
+          </a:graphicData>
+        </a:graphic>
+      </p:graphicFrame>
+    </p:spTree>
+    <p:extLst>
+      <p:ext uri="{BB962C8B-B14F-4D97-AF65-F5344CB8AC3E}">
+        <p14:creationId xmlns:p14="http://schemas.microsoft.com/office/powerpoint/2010/main" val="3715946514"/>
       </p:ext>
     </p:extLst>
   </p:cSld>
